--- a/article-presentation/Artigo.pptx
+++ b/article-presentation/Artigo.pptx
@@ -7909,7 +7909,7 @@
           <a:graphicData uri="http://schemas.openxmlformats.org/presentationml/2006/ole">
             <mc:AlternateContent xmlns:mc="http://schemas.openxmlformats.org/markup-compatibility/2006">
               <mc:Choice xmlns:v="urn:schemas-microsoft-com:vml" Requires="v">
-                <p:oleObj spid="_x0000_s21770" name="Equation" r:id="rId4" imgW="545760" imgH="241200" progId="Equation.3">
+                <p:oleObj spid="_x0000_s21790" name="Equation" r:id="rId4" imgW="545760" imgH="241200" progId="Equation.3">
                   <p:embed/>
                 </p:oleObj>
               </mc:Choice>
@@ -7985,7 +7985,7 @@
           <a:graphicData uri="http://schemas.openxmlformats.org/presentationml/2006/ole">
             <mc:AlternateContent xmlns:mc="http://schemas.openxmlformats.org/markup-compatibility/2006">
               <mc:Choice xmlns:v="urn:schemas-microsoft-com:vml" Requires="v">
-                <p:oleObj spid="_x0000_s21771" name="Equation" r:id="rId6" imgW="1002865" imgH="253890" progId="Equation.3">
+                <p:oleObj spid="_x0000_s21791" name="Equation" r:id="rId6" imgW="1002865" imgH="253890" progId="Equation.3">
                   <p:embed/>
                 </p:oleObj>
               </mc:Choice>
@@ -8061,7 +8061,7 @@
           <a:graphicData uri="http://schemas.openxmlformats.org/presentationml/2006/ole">
             <mc:AlternateContent xmlns:mc="http://schemas.openxmlformats.org/markup-compatibility/2006">
               <mc:Choice xmlns:v="urn:schemas-microsoft-com:vml" Requires="v">
-                <p:oleObj spid="_x0000_s21772" name="Equation" r:id="rId8" imgW="1143000" imgH="304800" progId="Equation.3">
+                <p:oleObj spid="_x0000_s21792" name="Equation" r:id="rId8" imgW="1143000" imgH="304800" progId="Equation.3">
                   <p:embed/>
                 </p:oleObj>
               </mc:Choice>
@@ -8137,7 +8137,7 @@
           <a:graphicData uri="http://schemas.openxmlformats.org/presentationml/2006/ole">
             <mc:AlternateContent xmlns:mc="http://schemas.openxmlformats.org/markup-compatibility/2006">
               <mc:Choice xmlns:v="urn:schemas-microsoft-com:vml" Requires="v">
-                <p:oleObj spid="_x0000_s21773" name="Equation" r:id="rId10" imgW="1206500" imgH="241300" progId="Equation.3">
+                <p:oleObj spid="_x0000_s21793" name="Equation" r:id="rId10" imgW="1206500" imgH="241300" progId="Equation.3">
                   <p:embed/>
                 </p:oleObj>
               </mc:Choice>
@@ -8795,7 +8795,7 @@
           <a:graphicData uri="http://schemas.openxmlformats.org/presentationml/2006/ole">
             <mc:AlternateContent xmlns:mc="http://schemas.openxmlformats.org/markup-compatibility/2006">
               <mc:Choice xmlns:v="urn:schemas-microsoft-com:vml" Requires="v">
-                <p:oleObj spid="_x0000_s22661" name="Equation" r:id="rId5" imgW="1002865" imgH="253890" progId="Equation.3">
+                <p:oleObj spid="_x0000_s22676" name="Equation" r:id="rId5" imgW="1002865" imgH="253890" progId="Equation.3">
                   <p:embed/>
                 </p:oleObj>
               </mc:Choice>
@@ -8871,7 +8871,7 @@
           <a:graphicData uri="http://schemas.openxmlformats.org/presentationml/2006/ole">
             <mc:AlternateContent xmlns:mc="http://schemas.openxmlformats.org/markup-compatibility/2006">
               <mc:Choice xmlns:v="urn:schemas-microsoft-com:vml" Requires="v">
-                <p:oleObj spid="_x0000_s22662" name="Equation" r:id="rId7" imgW="1143000" imgH="304800" progId="Equation.3">
+                <p:oleObj spid="_x0000_s22677" name="Equation" r:id="rId7" imgW="1143000" imgH="304800" progId="Equation.3">
                   <p:embed/>
                 </p:oleObj>
               </mc:Choice>
@@ -8971,7 +8971,7 @@
           <a:graphicData uri="http://schemas.openxmlformats.org/presentationml/2006/ole">
             <mc:AlternateContent xmlns:mc="http://schemas.openxmlformats.org/markup-compatibility/2006">
               <mc:Choice xmlns:v="urn:schemas-microsoft-com:vml" Requires="v">
-                <p:oleObj spid="_x0000_s22663" name="Equation" r:id="rId10" imgW="1206500" imgH="241300" progId="Equation.3">
+                <p:oleObj spid="_x0000_s22678" name="Equation" r:id="rId10" imgW="1206500" imgH="241300" progId="Equation.3">
                   <p:embed/>
                 </p:oleObj>
               </mc:Choice>
@@ -14441,16 +14441,1081 @@
           </a:p>
         </p:txBody>
       </p:sp>
+      <p:grpSp>
+        <p:nvGrpSpPr>
+          <p:cNvPr id="3" name="Group 2">
+            <a:extLst>
+              <a:ext uri="{FF2B5EF4-FFF2-40B4-BE49-F238E27FC236}">
+                <a16:creationId xmlns:a16="http://schemas.microsoft.com/office/drawing/2014/main" id="{F4A34CB0-4D87-6B45-A09D-99307832952F}"/>
+              </a:ext>
+            </a:extLst>
+          </p:cNvPr>
+          <p:cNvGrpSpPr/>
+          <p:nvPr/>
+        </p:nvGrpSpPr>
+        <p:grpSpPr>
+          <a:xfrm>
+            <a:off x="1529698" y="2418507"/>
+            <a:ext cx="1419492" cy="1419492"/>
+            <a:chOff x="872017" y="1418672"/>
+            <a:chExt cx="1419492" cy="1419492"/>
+          </a:xfrm>
+        </p:grpSpPr>
+        <p:sp>
+          <p:nvSpPr>
+            <p:cNvPr id="14" name="Elipse 13"/>
+            <p:cNvSpPr/>
+            <p:nvPr/>
+          </p:nvSpPr>
+          <p:spPr>
+            <a:xfrm>
+              <a:off x="872017" y="1418672"/>
+              <a:ext cx="1419492" cy="1419492"/>
+            </a:xfrm>
+            <a:prstGeom prst="ellipse">
+              <a:avLst/>
+            </a:prstGeom>
+            <a:solidFill>
+              <a:schemeClr val="bg1"/>
+            </a:solidFill>
+            <a:ln w="19050" cap="flat" cmpd="sng" algn="ctr">
+              <a:solidFill>
+                <a:schemeClr val="bg1">
+                  <a:lumMod val="75000"/>
+                </a:schemeClr>
+              </a:solidFill>
+              <a:prstDash val="solid"/>
+              <a:miter lim="800000"/>
+            </a:ln>
+            <a:effectLst/>
+          </p:spPr>
+          <p:txBody>
+            <a:bodyPr rtlCol="0" anchor="ctr"/>
+            <a:lstStyle/>
+            <a:p>
+              <a:pPr marL="0" marR="0" lvl="0" indent="0" algn="ctr" defTabSz="914400" eaLnBrk="1" fontAlgn="auto" latinLnBrk="0" hangingPunct="1">
+                <a:lnSpc>
+                  <a:spcPct val="100000"/>
+                </a:lnSpc>
+                <a:spcBef>
+                  <a:spcPts val="0"/>
+                </a:spcBef>
+                <a:spcAft>
+                  <a:spcPts val="0"/>
+                </a:spcAft>
+                <a:buClrTx/>
+                <a:buSzTx/>
+                <a:buFontTx/>
+                <a:buNone/>
+                <a:tabLst/>
+                <a:defRPr/>
+              </a:pPr>
+              <a:endParaRPr kumimoji="0" lang="pt-BR" sz="1800" b="0" i="0" u="none" strike="noStrike" kern="0" cap="none" spc="0" normalizeH="0" baseline="0" noProof="0" dirty="0">
+                <a:ln>
+                  <a:noFill/>
+                </a:ln>
+                <a:solidFill>
+                  <a:prstClr val="white"/>
+                </a:solidFill>
+                <a:effectLst/>
+                <a:uLnTx/>
+                <a:uFillTx/>
+                <a:latin typeface="Itau Display" panose="020B0503020204020204" pitchFamily="34" charset="0"/>
+              </a:endParaRPr>
+            </a:p>
+          </p:txBody>
+        </p:sp>
+        <p:sp>
+          <p:nvSpPr>
+            <p:cNvPr id="2" name="TextBox 1">
+              <a:extLst>
+                <a:ext uri="{FF2B5EF4-FFF2-40B4-BE49-F238E27FC236}">
+                  <a16:creationId xmlns:a16="http://schemas.microsoft.com/office/drawing/2014/main" id="{489AB305-2BD1-A144-8BF3-F3A1D2368420}"/>
+                </a:ext>
+              </a:extLst>
+            </p:cNvPr>
+            <p:cNvSpPr txBox="1"/>
+            <p:nvPr/>
+          </p:nvSpPr>
+          <p:spPr>
+            <a:xfrm>
+              <a:off x="1103462" y="1897585"/>
+              <a:ext cx="956603" cy="461665"/>
+            </a:xfrm>
+            <a:prstGeom prst="rect">
+              <a:avLst/>
+            </a:prstGeom>
+            <a:noFill/>
+          </p:spPr>
+          <p:txBody>
+            <a:bodyPr wrap="square" rtlCol="0">
+              <a:spAutoFit/>
+            </a:bodyPr>
+            <a:lstStyle/>
+            <a:p>
+              <a:pPr algn="ctr"/>
+              <a:r>
+                <a:rPr lang="en-US" sz="2400" b="1" dirty="0"/>
+                <a:t>DDD</a:t>
+              </a:r>
+            </a:p>
+          </p:txBody>
+        </p:sp>
+      </p:grpSp>
+      <p:grpSp>
+        <p:nvGrpSpPr>
+          <p:cNvPr id="4" name="Group 3">
+            <a:extLst>
+              <a:ext uri="{FF2B5EF4-FFF2-40B4-BE49-F238E27FC236}">
+                <a16:creationId xmlns:a16="http://schemas.microsoft.com/office/drawing/2014/main" id="{DB74C218-22BD-454C-9EE2-9AF48786C9ED}"/>
+              </a:ext>
+            </a:extLst>
+          </p:cNvPr>
+          <p:cNvGrpSpPr/>
+          <p:nvPr/>
+        </p:nvGrpSpPr>
+        <p:grpSpPr>
+          <a:xfrm>
+            <a:off x="3869037" y="831330"/>
+            <a:ext cx="1419492" cy="1419492"/>
+            <a:chOff x="4014129" y="1418672"/>
+            <a:chExt cx="1419492" cy="1419492"/>
+          </a:xfrm>
+        </p:grpSpPr>
+        <p:sp>
+          <p:nvSpPr>
+            <p:cNvPr id="11" name="Elipse 10"/>
+            <p:cNvSpPr/>
+            <p:nvPr/>
+          </p:nvSpPr>
+          <p:spPr>
+            <a:xfrm>
+              <a:off x="4014129" y="1418672"/>
+              <a:ext cx="1419492" cy="1419492"/>
+            </a:xfrm>
+            <a:prstGeom prst="ellipse">
+              <a:avLst/>
+            </a:prstGeom>
+            <a:solidFill>
+              <a:schemeClr val="bg1"/>
+            </a:solidFill>
+            <a:ln w="19050" cap="flat" cmpd="sng" algn="ctr">
+              <a:solidFill>
+                <a:schemeClr val="bg1">
+                  <a:lumMod val="75000"/>
+                </a:schemeClr>
+              </a:solidFill>
+              <a:prstDash val="solid"/>
+              <a:miter lim="800000"/>
+            </a:ln>
+            <a:effectLst/>
+          </p:spPr>
+          <p:txBody>
+            <a:bodyPr rtlCol="0" anchor="ctr"/>
+            <a:lstStyle/>
+            <a:p>
+              <a:pPr marL="0" marR="0" lvl="0" indent="0" algn="ctr" defTabSz="914400" eaLnBrk="1" fontAlgn="auto" latinLnBrk="0" hangingPunct="1">
+                <a:lnSpc>
+                  <a:spcPct val="100000"/>
+                </a:lnSpc>
+                <a:spcBef>
+                  <a:spcPts val="0"/>
+                </a:spcBef>
+                <a:spcAft>
+                  <a:spcPts val="0"/>
+                </a:spcAft>
+                <a:buClrTx/>
+                <a:buSzTx/>
+                <a:buFontTx/>
+                <a:buNone/>
+                <a:tabLst/>
+                <a:defRPr/>
+              </a:pPr>
+              <a:endParaRPr kumimoji="0" lang="pt-BR" sz="1800" b="0" i="0" u="none" strike="noStrike" kern="0" cap="none" spc="0" normalizeH="0" baseline="0" noProof="0" dirty="0">
+                <a:ln>
+                  <a:noFill/>
+                </a:ln>
+                <a:solidFill>
+                  <a:prstClr val="white"/>
+                </a:solidFill>
+                <a:effectLst/>
+                <a:uLnTx/>
+                <a:uFillTx/>
+                <a:latin typeface="Itau Display" panose="020B0503020204020204" pitchFamily="34" charset="0"/>
+              </a:endParaRPr>
+            </a:p>
+          </p:txBody>
+        </p:sp>
+        <p:sp>
+          <p:nvSpPr>
+            <p:cNvPr id="33" name="TextBox 32">
+              <a:extLst>
+                <a:ext uri="{FF2B5EF4-FFF2-40B4-BE49-F238E27FC236}">
+                  <a16:creationId xmlns:a16="http://schemas.microsoft.com/office/drawing/2014/main" id="{090DBE17-2A9B-564E-B351-70F9AFFDC797}"/>
+                </a:ext>
+              </a:extLst>
+            </p:cNvPr>
+            <p:cNvSpPr txBox="1"/>
+            <p:nvPr/>
+          </p:nvSpPr>
+          <p:spPr>
+            <a:xfrm>
+              <a:off x="4107315" y="1805251"/>
+              <a:ext cx="1233120" cy="646331"/>
+            </a:xfrm>
+            <a:prstGeom prst="rect">
+              <a:avLst/>
+            </a:prstGeom>
+            <a:noFill/>
+          </p:spPr>
+          <p:txBody>
+            <a:bodyPr wrap="square" rtlCol="0">
+              <a:spAutoFit/>
+            </a:bodyPr>
+            <a:lstStyle/>
+            <a:p>
+              <a:pPr algn="ctr"/>
+              <a:r>
+                <a:rPr lang="en-US" b="1" dirty="0" err="1"/>
+                <a:t>Entrega</a:t>
+              </a:r>
+              <a:r>
+                <a:rPr lang="en-US" b="1" dirty="0"/>
+                <a:t> </a:t>
+              </a:r>
+              <a:r>
+                <a:rPr lang="en-US" b="1" dirty="0" err="1"/>
+                <a:t>Contínua</a:t>
+              </a:r>
+              <a:endParaRPr lang="en-US" b="1" dirty="0"/>
+            </a:p>
+          </p:txBody>
+        </p:sp>
+      </p:grpSp>
+      <p:grpSp>
+        <p:nvGrpSpPr>
+          <p:cNvPr id="5" name="Group 4">
+            <a:extLst>
+              <a:ext uri="{FF2B5EF4-FFF2-40B4-BE49-F238E27FC236}">
+                <a16:creationId xmlns:a16="http://schemas.microsoft.com/office/drawing/2014/main" id="{A1CF9B69-CD8D-884B-B412-2AFBBC0A5C38}"/>
+              </a:ext>
+            </a:extLst>
+          </p:cNvPr>
+          <p:cNvGrpSpPr/>
+          <p:nvPr/>
+        </p:nvGrpSpPr>
+        <p:grpSpPr>
+          <a:xfrm>
+            <a:off x="6908083" y="1140287"/>
+            <a:ext cx="1607931" cy="1419492"/>
+            <a:chOff x="7062021" y="1418670"/>
+            <a:chExt cx="1607931" cy="1419492"/>
+          </a:xfrm>
+        </p:grpSpPr>
+        <p:sp>
+          <p:nvSpPr>
+            <p:cNvPr id="12" name="Elipse 11"/>
+            <p:cNvSpPr/>
+            <p:nvPr/>
+          </p:nvSpPr>
+          <p:spPr>
+            <a:xfrm>
+              <a:off x="7156241" y="1418670"/>
+              <a:ext cx="1419492" cy="1419492"/>
+            </a:xfrm>
+            <a:prstGeom prst="ellipse">
+              <a:avLst/>
+            </a:prstGeom>
+            <a:solidFill>
+              <a:schemeClr val="bg1"/>
+            </a:solidFill>
+            <a:ln w="19050" cap="flat" cmpd="sng" algn="ctr">
+              <a:solidFill>
+                <a:schemeClr val="bg1">
+                  <a:lumMod val="75000"/>
+                </a:schemeClr>
+              </a:solidFill>
+              <a:prstDash val="solid"/>
+              <a:miter lim="800000"/>
+            </a:ln>
+            <a:effectLst/>
+          </p:spPr>
+          <p:txBody>
+            <a:bodyPr rtlCol="0" anchor="ctr"/>
+            <a:lstStyle/>
+            <a:p>
+              <a:pPr marL="0" marR="0" lvl="0" indent="0" algn="ctr" defTabSz="914400" eaLnBrk="1" fontAlgn="auto" latinLnBrk="0" hangingPunct="1">
+                <a:lnSpc>
+                  <a:spcPct val="100000"/>
+                </a:lnSpc>
+                <a:spcBef>
+                  <a:spcPts val="0"/>
+                </a:spcBef>
+                <a:spcAft>
+                  <a:spcPts val="0"/>
+                </a:spcAft>
+                <a:buClrTx/>
+                <a:buSzTx/>
+                <a:buFontTx/>
+                <a:buNone/>
+                <a:tabLst/>
+                <a:defRPr/>
+              </a:pPr>
+              <a:endParaRPr kumimoji="0" lang="pt-BR" sz="1800" b="0" i="0" u="none" strike="noStrike" kern="0" cap="none" spc="0" normalizeH="0" baseline="0" noProof="0" dirty="0">
+                <a:ln>
+                  <a:noFill/>
+                </a:ln>
+                <a:solidFill>
+                  <a:prstClr val="white"/>
+                </a:solidFill>
+                <a:effectLst/>
+                <a:uLnTx/>
+                <a:uFillTx/>
+                <a:latin typeface="Itau Display" panose="020B0503020204020204" pitchFamily="34" charset="0"/>
+              </a:endParaRPr>
+            </a:p>
+          </p:txBody>
+        </p:sp>
+        <p:sp>
+          <p:nvSpPr>
+            <p:cNvPr id="34" name="TextBox 33">
+              <a:extLst>
+                <a:ext uri="{FF2B5EF4-FFF2-40B4-BE49-F238E27FC236}">
+                  <a16:creationId xmlns:a16="http://schemas.microsoft.com/office/drawing/2014/main" id="{1595A365-EEC3-CE45-B45C-B2AC298A29A3}"/>
+                </a:ext>
+              </a:extLst>
+            </p:cNvPr>
+            <p:cNvSpPr txBox="1"/>
+            <p:nvPr/>
+          </p:nvSpPr>
+          <p:spPr>
+            <a:xfrm>
+              <a:off x="7062021" y="1805251"/>
+              <a:ext cx="1607931" cy="646331"/>
+            </a:xfrm>
+            <a:prstGeom prst="rect">
+              <a:avLst/>
+            </a:prstGeom>
+            <a:noFill/>
+          </p:spPr>
+          <p:txBody>
+            <a:bodyPr wrap="square" rtlCol="0">
+              <a:spAutoFit/>
+            </a:bodyPr>
+            <a:lstStyle/>
+            <a:p>
+              <a:pPr algn="ctr"/>
+              <a:r>
+                <a:rPr lang="en-US" b="1" dirty="0"/>
+                <a:t>On-demand Virtualization</a:t>
+              </a:r>
+            </a:p>
+          </p:txBody>
+        </p:sp>
+      </p:grpSp>
+      <p:grpSp>
+        <p:nvGrpSpPr>
+          <p:cNvPr id="16" name="Group 15">
+            <a:extLst>
+              <a:ext uri="{FF2B5EF4-FFF2-40B4-BE49-F238E27FC236}">
+                <a16:creationId xmlns:a16="http://schemas.microsoft.com/office/drawing/2014/main" id="{4B7294FF-D26D-1D4B-AABC-FB55FD7DEE6A}"/>
+              </a:ext>
+            </a:extLst>
+          </p:cNvPr>
+          <p:cNvGrpSpPr/>
+          <p:nvPr/>
+        </p:nvGrpSpPr>
+        <p:grpSpPr>
+          <a:xfrm>
+            <a:off x="2450780" y="4790299"/>
+            <a:ext cx="1607931" cy="1419492"/>
+            <a:chOff x="2499384" y="4281699"/>
+            <a:chExt cx="1607931" cy="1419492"/>
+          </a:xfrm>
+        </p:grpSpPr>
+        <p:sp>
+          <p:nvSpPr>
+            <p:cNvPr id="13" name="Elipse 12"/>
+            <p:cNvSpPr/>
+            <p:nvPr/>
+          </p:nvSpPr>
+          <p:spPr>
+            <a:xfrm>
+              <a:off x="2594636" y="4281699"/>
+              <a:ext cx="1419492" cy="1419492"/>
+            </a:xfrm>
+            <a:prstGeom prst="ellipse">
+              <a:avLst/>
+            </a:prstGeom>
+            <a:solidFill>
+              <a:schemeClr val="bg1"/>
+            </a:solidFill>
+            <a:ln w="19050" cap="flat" cmpd="sng" algn="ctr">
+              <a:solidFill>
+                <a:schemeClr val="bg1">
+                  <a:lumMod val="75000"/>
+                </a:schemeClr>
+              </a:solidFill>
+              <a:prstDash val="solid"/>
+              <a:miter lim="800000"/>
+            </a:ln>
+            <a:effectLst/>
+          </p:spPr>
+          <p:txBody>
+            <a:bodyPr rtlCol="0" anchor="ctr"/>
+            <a:lstStyle/>
+            <a:p>
+              <a:pPr marL="0" marR="0" lvl="0" indent="0" algn="ctr" defTabSz="914400" eaLnBrk="1" fontAlgn="auto" latinLnBrk="0" hangingPunct="1">
+                <a:lnSpc>
+                  <a:spcPct val="100000"/>
+                </a:lnSpc>
+                <a:spcBef>
+                  <a:spcPts val="0"/>
+                </a:spcBef>
+                <a:spcAft>
+                  <a:spcPts val="0"/>
+                </a:spcAft>
+                <a:buClrTx/>
+                <a:buSzTx/>
+                <a:buFontTx/>
+                <a:buNone/>
+                <a:tabLst/>
+                <a:defRPr/>
+              </a:pPr>
+              <a:endParaRPr kumimoji="0" lang="pt-BR" sz="1800" b="0" i="0" u="none" strike="noStrike" kern="0" cap="none" spc="0" normalizeH="0" baseline="0" noProof="0" dirty="0">
+                <a:ln>
+                  <a:noFill/>
+                </a:ln>
+                <a:solidFill>
+                  <a:prstClr val="white"/>
+                </a:solidFill>
+                <a:effectLst/>
+                <a:uLnTx/>
+                <a:uFillTx/>
+                <a:latin typeface="Itau Display" panose="020B0503020204020204" pitchFamily="34" charset="0"/>
+              </a:endParaRPr>
+            </a:p>
+          </p:txBody>
+        </p:sp>
+        <p:sp>
+          <p:nvSpPr>
+            <p:cNvPr id="35" name="TextBox 34">
+              <a:extLst>
+                <a:ext uri="{FF2B5EF4-FFF2-40B4-BE49-F238E27FC236}">
+                  <a16:creationId xmlns:a16="http://schemas.microsoft.com/office/drawing/2014/main" id="{553E56CC-1690-B440-A51B-8F6E6FB1020F}"/>
+                </a:ext>
+              </a:extLst>
+            </p:cNvPr>
+            <p:cNvSpPr txBox="1"/>
+            <p:nvPr/>
+          </p:nvSpPr>
+          <p:spPr>
+            <a:xfrm>
+              <a:off x="2499384" y="4699057"/>
+              <a:ext cx="1607931" cy="584775"/>
+            </a:xfrm>
+            <a:prstGeom prst="rect">
+              <a:avLst/>
+            </a:prstGeom>
+            <a:noFill/>
+          </p:spPr>
+          <p:txBody>
+            <a:bodyPr wrap="square" rtlCol="0">
+              <a:spAutoFit/>
+            </a:bodyPr>
+            <a:lstStyle/>
+            <a:p>
+              <a:pPr algn="ctr"/>
+              <a:r>
+                <a:rPr lang="en-US" sz="1600" b="1" dirty="0" err="1"/>
+                <a:t>Automação</a:t>
+              </a:r>
+              <a:r>
+                <a:rPr lang="en-US" sz="1600" b="1" dirty="0"/>
+                <a:t> da infra-</a:t>
+              </a:r>
+              <a:r>
+                <a:rPr lang="en-US" sz="1600" b="1" dirty="0" err="1"/>
+                <a:t>estrutura</a:t>
+              </a:r>
+              <a:endParaRPr lang="en-US" sz="1600" b="1" dirty="0"/>
+            </a:p>
+          </p:txBody>
+        </p:sp>
+      </p:grpSp>
+      <p:grpSp>
+        <p:nvGrpSpPr>
+          <p:cNvPr id="9" name="Group 8">
+            <a:extLst>
+              <a:ext uri="{FF2B5EF4-FFF2-40B4-BE49-F238E27FC236}">
+                <a16:creationId xmlns:a16="http://schemas.microsoft.com/office/drawing/2014/main" id="{EA8515ED-4F4D-2B44-80C8-058956FC5317}"/>
+              </a:ext>
+            </a:extLst>
+          </p:cNvPr>
+          <p:cNvGrpSpPr/>
+          <p:nvPr/>
+        </p:nvGrpSpPr>
+        <p:grpSpPr>
+          <a:xfrm>
+            <a:off x="7002303" y="4834367"/>
+            <a:ext cx="1607931" cy="1419492"/>
+            <a:chOff x="6001780" y="3602732"/>
+            <a:chExt cx="1607931" cy="1419492"/>
+          </a:xfrm>
+        </p:grpSpPr>
+        <p:sp>
+          <p:nvSpPr>
+            <p:cNvPr id="28" name="Elipse 10"/>
+            <p:cNvSpPr/>
+            <p:nvPr/>
+          </p:nvSpPr>
+          <p:spPr>
+            <a:xfrm>
+              <a:off x="6096000" y="3602732"/>
+              <a:ext cx="1419492" cy="1419492"/>
+            </a:xfrm>
+            <a:prstGeom prst="ellipse">
+              <a:avLst/>
+            </a:prstGeom>
+            <a:solidFill>
+              <a:schemeClr val="bg1"/>
+            </a:solidFill>
+            <a:ln w="19050" cap="flat" cmpd="sng" algn="ctr">
+              <a:solidFill>
+                <a:schemeClr val="bg1">
+                  <a:lumMod val="75000"/>
+                </a:schemeClr>
+              </a:solidFill>
+              <a:prstDash val="solid"/>
+              <a:miter lim="800000"/>
+            </a:ln>
+            <a:effectLst/>
+          </p:spPr>
+          <p:txBody>
+            <a:bodyPr rtlCol="0" anchor="ctr"/>
+            <a:lstStyle/>
+            <a:p>
+              <a:pPr marL="0" marR="0" lvl="0" indent="0" algn="ctr" defTabSz="914400" eaLnBrk="1" fontAlgn="auto" latinLnBrk="0" hangingPunct="1">
+                <a:lnSpc>
+                  <a:spcPct val="100000"/>
+                </a:lnSpc>
+                <a:spcBef>
+                  <a:spcPts val="0"/>
+                </a:spcBef>
+                <a:spcAft>
+                  <a:spcPts val="0"/>
+                </a:spcAft>
+                <a:buClrTx/>
+                <a:buSzTx/>
+                <a:buFontTx/>
+                <a:buNone/>
+                <a:tabLst/>
+                <a:defRPr/>
+              </a:pPr>
+              <a:endParaRPr kumimoji="0" lang="pt-BR" sz="1800" b="0" i="0" u="none" strike="noStrike" kern="0" cap="none" spc="0" normalizeH="0" baseline="0" noProof="0" dirty="0">
+                <a:ln>
+                  <a:noFill/>
+                </a:ln>
+                <a:solidFill>
+                  <a:prstClr val="white"/>
+                </a:solidFill>
+                <a:effectLst/>
+                <a:uLnTx/>
+                <a:uFillTx/>
+                <a:latin typeface="Itau Display" panose="020B0503020204020204" pitchFamily="34" charset="0"/>
+              </a:endParaRPr>
+            </a:p>
+          </p:txBody>
+        </p:sp>
+        <p:sp>
+          <p:nvSpPr>
+            <p:cNvPr id="36" name="TextBox 35">
+              <a:extLst>
+                <a:ext uri="{FF2B5EF4-FFF2-40B4-BE49-F238E27FC236}">
+                  <a16:creationId xmlns:a16="http://schemas.microsoft.com/office/drawing/2014/main" id="{E45F026D-6C88-2146-AEFA-75CFEDA68430}"/>
+                </a:ext>
+              </a:extLst>
+            </p:cNvPr>
+            <p:cNvSpPr txBox="1"/>
+            <p:nvPr/>
+          </p:nvSpPr>
+          <p:spPr>
+            <a:xfrm>
+              <a:off x="6001780" y="4043869"/>
+              <a:ext cx="1607931" cy="584775"/>
+            </a:xfrm>
+            <a:prstGeom prst="rect">
+              <a:avLst/>
+            </a:prstGeom>
+            <a:noFill/>
+          </p:spPr>
+          <p:txBody>
+            <a:bodyPr wrap="square" rtlCol="0">
+              <a:spAutoFit/>
+            </a:bodyPr>
+            <a:lstStyle/>
+            <a:p>
+              <a:pPr algn="ctr"/>
+              <a:r>
+                <a:rPr lang="en-US" sz="1600" b="1" dirty="0"/>
+                <a:t>Times </a:t>
+              </a:r>
+              <a:r>
+                <a:rPr lang="en-US" sz="1600" b="1" dirty="0" err="1"/>
+                <a:t>pequenos</a:t>
+              </a:r>
+              <a:r>
+                <a:rPr lang="en-US" sz="1600" b="1" dirty="0"/>
+                <a:t> </a:t>
+              </a:r>
+              <a:r>
+                <a:rPr lang="en-US" sz="1600" b="1" dirty="0" err="1"/>
+                <a:t>autônomos</a:t>
+              </a:r>
+              <a:endParaRPr lang="en-US" sz="1600" b="1" dirty="0"/>
+            </a:p>
+          </p:txBody>
+        </p:sp>
+      </p:grpSp>
+      <p:grpSp>
+        <p:nvGrpSpPr>
+          <p:cNvPr id="7" name="Group 6">
+            <a:extLst>
+              <a:ext uri="{FF2B5EF4-FFF2-40B4-BE49-F238E27FC236}">
+                <a16:creationId xmlns:a16="http://schemas.microsoft.com/office/drawing/2014/main" id="{D3115EA6-CBBD-494B-A87E-693860780673}"/>
+              </a:ext>
+            </a:extLst>
+          </p:cNvPr>
+          <p:cNvGrpSpPr/>
+          <p:nvPr/>
+        </p:nvGrpSpPr>
+        <p:grpSpPr>
+          <a:xfrm>
+            <a:off x="8243277" y="2994429"/>
+            <a:ext cx="1419492" cy="1419492"/>
+            <a:chOff x="9597363" y="3602732"/>
+            <a:chExt cx="1419492" cy="1419492"/>
+          </a:xfrm>
+        </p:grpSpPr>
+        <p:sp>
+          <p:nvSpPr>
+            <p:cNvPr id="32" name="Elipse 10">
+              <a:extLst>
+                <a:ext uri="{FF2B5EF4-FFF2-40B4-BE49-F238E27FC236}">
+                  <a16:creationId xmlns:a16="http://schemas.microsoft.com/office/drawing/2014/main" id="{89780A09-B653-194D-8A8C-86D7C93BFFE0}"/>
+                </a:ext>
+              </a:extLst>
+            </p:cNvPr>
+            <p:cNvSpPr/>
+            <p:nvPr/>
+          </p:nvSpPr>
+          <p:spPr>
+            <a:xfrm>
+              <a:off x="9597363" y="3602732"/>
+              <a:ext cx="1419492" cy="1419492"/>
+            </a:xfrm>
+            <a:prstGeom prst="ellipse">
+              <a:avLst/>
+            </a:prstGeom>
+            <a:solidFill>
+              <a:schemeClr val="bg1"/>
+            </a:solidFill>
+            <a:ln w="19050" cap="flat" cmpd="sng" algn="ctr">
+              <a:solidFill>
+                <a:schemeClr val="bg1">
+                  <a:lumMod val="75000"/>
+                </a:schemeClr>
+              </a:solidFill>
+              <a:prstDash val="solid"/>
+              <a:miter lim="800000"/>
+            </a:ln>
+            <a:effectLst/>
+          </p:spPr>
+          <p:txBody>
+            <a:bodyPr rtlCol="0" anchor="ctr"/>
+            <a:lstStyle/>
+            <a:p>
+              <a:pPr marL="0" marR="0" lvl="0" indent="0" algn="ctr" defTabSz="914400" eaLnBrk="1" fontAlgn="auto" latinLnBrk="0" hangingPunct="1">
+                <a:lnSpc>
+                  <a:spcPct val="100000"/>
+                </a:lnSpc>
+                <a:spcBef>
+                  <a:spcPts val="0"/>
+                </a:spcBef>
+                <a:spcAft>
+                  <a:spcPts val="0"/>
+                </a:spcAft>
+                <a:buClrTx/>
+                <a:buSzTx/>
+                <a:buFontTx/>
+                <a:buNone/>
+                <a:tabLst/>
+                <a:defRPr/>
+              </a:pPr>
+              <a:endParaRPr kumimoji="0" lang="pt-BR" sz="1800" b="0" i="0" u="none" strike="noStrike" kern="0" cap="none" spc="0" normalizeH="0" baseline="0" noProof="0" dirty="0">
+                <a:ln>
+                  <a:noFill/>
+                </a:ln>
+                <a:solidFill>
+                  <a:prstClr val="white"/>
+                </a:solidFill>
+                <a:effectLst/>
+                <a:uLnTx/>
+                <a:uFillTx/>
+                <a:latin typeface="Itau Display" panose="020B0503020204020204" pitchFamily="34" charset="0"/>
+              </a:endParaRPr>
+            </a:p>
+          </p:txBody>
+        </p:sp>
+        <p:sp>
+          <p:nvSpPr>
+            <p:cNvPr id="37" name="TextBox 36">
+              <a:extLst>
+                <a:ext uri="{FF2B5EF4-FFF2-40B4-BE49-F238E27FC236}">
+                  <a16:creationId xmlns:a16="http://schemas.microsoft.com/office/drawing/2014/main" id="{FA52431A-1D46-2146-BE38-407D7E340941}"/>
+                </a:ext>
+              </a:extLst>
+            </p:cNvPr>
+            <p:cNvSpPr txBox="1"/>
+            <p:nvPr/>
+          </p:nvSpPr>
+          <p:spPr>
+            <a:xfrm>
+              <a:off x="9676480" y="3982313"/>
+              <a:ext cx="1233120" cy="646331"/>
+            </a:xfrm>
+            <a:prstGeom prst="rect">
+              <a:avLst/>
+            </a:prstGeom>
+            <a:noFill/>
+          </p:spPr>
+          <p:txBody>
+            <a:bodyPr wrap="square" rtlCol="0">
+              <a:spAutoFit/>
+            </a:bodyPr>
+            <a:lstStyle/>
+            <a:p>
+              <a:pPr algn="ctr"/>
+              <a:r>
+                <a:rPr lang="en-US" b="1" dirty="0" err="1"/>
+                <a:t>Sistemas</a:t>
+              </a:r>
+              <a:r>
+                <a:rPr lang="en-US" b="1" dirty="0"/>
+                <a:t> </a:t>
+              </a:r>
+              <a:r>
+                <a:rPr lang="en-US" b="1" dirty="0" err="1"/>
+                <a:t>escaláveis</a:t>
+              </a:r>
+              <a:endParaRPr lang="en-US" b="1" dirty="0"/>
+            </a:p>
+          </p:txBody>
+        </p:sp>
+      </p:grpSp>
+      <p:cxnSp>
+        <p:nvCxnSpPr>
+          <p:cNvPr id="53" name="Straight Arrow Connector 52">
+            <a:extLst>
+              <a:ext uri="{FF2B5EF4-FFF2-40B4-BE49-F238E27FC236}">
+                <a16:creationId xmlns:a16="http://schemas.microsoft.com/office/drawing/2014/main" id="{B5E60F8C-4643-484F-8DCD-0F13B2995673}"/>
+              </a:ext>
+            </a:extLst>
+          </p:cNvPr>
+          <p:cNvCxnSpPr>
+            <a:cxnSpLocks/>
+            <a:stCxn id="12" idx="3"/>
+            <a:endCxn id="38" idx="7"/>
+          </p:cNvCxnSpPr>
+          <p:nvPr/>
+        </p:nvCxnSpPr>
+        <p:spPr>
+          <a:xfrm flipH="1">
+            <a:off x="6274542" y="2351899"/>
+            <a:ext cx="935641" cy="646634"/>
+          </a:xfrm>
+          <a:prstGeom prst="straightConnector1">
+            <a:avLst/>
+          </a:prstGeom>
+          <a:ln w="38100" cap="flat" cmpd="sng" algn="ctr">
+            <a:solidFill>
+              <a:schemeClr val="accent2"/>
+            </a:solidFill>
+            <a:prstDash val="solid"/>
+            <a:round/>
+            <a:headEnd type="none" w="med" len="med"/>
+            <a:tailEnd type="arrow" w="med" len="med"/>
+          </a:ln>
+        </p:spPr>
+        <p:style>
+          <a:lnRef idx="0">
+            <a:scrgbClr r="0" g="0" b="0"/>
+          </a:lnRef>
+          <a:fillRef idx="0">
+            <a:scrgbClr r="0" g="0" b="0"/>
+          </a:fillRef>
+          <a:effectRef idx="0">
+            <a:scrgbClr r="0" g="0" b="0"/>
+          </a:effectRef>
+          <a:fontRef idx="minor">
+            <a:schemeClr val="tx1"/>
+          </a:fontRef>
+        </p:style>
+      </p:cxnSp>
+      <p:cxnSp>
+        <p:nvCxnSpPr>
+          <p:cNvPr id="54" name="Straight Arrow Connector 53">
+            <a:extLst>
+              <a:ext uri="{FF2B5EF4-FFF2-40B4-BE49-F238E27FC236}">
+                <a16:creationId xmlns:a16="http://schemas.microsoft.com/office/drawing/2014/main" id="{5C57D0A1-99C9-284A-8CDF-0B7C9B6E0194}"/>
+              </a:ext>
+            </a:extLst>
+          </p:cNvPr>
+          <p:cNvCxnSpPr>
+            <a:cxnSpLocks/>
+            <a:stCxn id="32" idx="2"/>
+            <a:endCxn id="38" idx="6"/>
+          </p:cNvCxnSpPr>
+          <p:nvPr/>
+        </p:nvCxnSpPr>
+        <p:spPr>
+          <a:xfrm flipH="1">
+            <a:off x="6615546" y="3704175"/>
+            <a:ext cx="1627731" cy="108385"/>
+          </a:xfrm>
+          <a:prstGeom prst="straightConnector1">
+            <a:avLst/>
+          </a:prstGeom>
+          <a:ln w="38100" cap="flat" cmpd="sng" algn="ctr">
+            <a:solidFill>
+              <a:schemeClr val="accent2"/>
+            </a:solidFill>
+            <a:prstDash val="solid"/>
+            <a:round/>
+            <a:headEnd type="none" w="med" len="med"/>
+            <a:tailEnd type="arrow" w="med" len="med"/>
+          </a:ln>
+        </p:spPr>
+        <p:style>
+          <a:lnRef idx="0">
+            <a:scrgbClr r="0" g="0" b="0"/>
+          </a:lnRef>
+          <a:fillRef idx="0">
+            <a:scrgbClr r="0" g="0" b="0"/>
+          </a:fillRef>
+          <a:effectRef idx="0">
+            <a:scrgbClr r="0" g="0" b="0"/>
+          </a:effectRef>
+          <a:fontRef idx="minor">
+            <a:schemeClr val="tx1"/>
+          </a:fontRef>
+        </p:style>
+      </p:cxnSp>
+      <p:cxnSp>
+        <p:nvCxnSpPr>
+          <p:cNvPr id="58" name="Straight Arrow Connector 57">
+            <a:extLst>
+              <a:ext uri="{FF2B5EF4-FFF2-40B4-BE49-F238E27FC236}">
+                <a16:creationId xmlns:a16="http://schemas.microsoft.com/office/drawing/2014/main" id="{FB0AF9F6-6EE9-C342-93B8-A9AC03733F4C}"/>
+              </a:ext>
+            </a:extLst>
+          </p:cNvPr>
+          <p:cNvCxnSpPr>
+            <a:cxnSpLocks/>
+          </p:cNvCxnSpPr>
+          <p:nvPr/>
+        </p:nvCxnSpPr>
+        <p:spPr>
+          <a:xfrm>
+            <a:off x="4825218" y="2197445"/>
+            <a:ext cx="335146" cy="477771"/>
+          </a:xfrm>
+          <a:prstGeom prst="straightConnector1">
+            <a:avLst/>
+          </a:prstGeom>
+          <a:ln w="38100" cap="flat" cmpd="sng" algn="ctr">
+            <a:solidFill>
+              <a:schemeClr val="accent2"/>
+            </a:solidFill>
+            <a:prstDash val="solid"/>
+            <a:round/>
+            <a:headEnd type="none" w="med" len="med"/>
+            <a:tailEnd type="arrow" w="med" len="med"/>
+          </a:ln>
+        </p:spPr>
+        <p:style>
+          <a:lnRef idx="0">
+            <a:scrgbClr r="0" g="0" b="0"/>
+          </a:lnRef>
+          <a:fillRef idx="0">
+            <a:scrgbClr r="0" g="0" b="0"/>
+          </a:fillRef>
+          <a:effectRef idx="0">
+            <a:scrgbClr r="0" g="0" b="0"/>
+          </a:effectRef>
+          <a:fontRef idx="minor">
+            <a:schemeClr val="tx1"/>
+          </a:fontRef>
+        </p:style>
+      </p:cxnSp>
+      <p:cxnSp>
+        <p:nvCxnSpPr>
+          <p:cNvPr id="63" name="Straight Arrow Connector 62">
+            <a:extLst>
+              <a:ext uri="{FF2B5EF4-FFF2-40B4-BE49-F238E27FC236}">
+                <a16:creationId xmlns:a16="http://schemas.microsoft.com/office/drawing/2014/main" id="{DDF15DD8-F026-F54B-A6A6-AE13E3F6B743}"/>
+              </a:ext>
+            </a:extLst>
+          </p:cNvPr>
+          <p:cNvCxnSpPr>
+            <a:cxnSpLocks/>
+            <a:endCxn id="38" idx="5"/>
+          </p:cNvCxnSpPr>
+          <p:nvPr/>
+        </p:nvCxnSpPr>
+        <p:spPr>
+          <a:xfrm flipH="1" flipV="1">
+            <a:off x="6274542" y="4626586"/>
+            <a:ext cx="890824" cy="619781"/>
+          </a:xfrm>
+          <a:prstGeom prst="straightConnector1">
+            <a:avLst/>
+          </a:prstGeom>
+          <a:ln w="38100" cap="flat" cmpd="sng" algn="ctr">
+            <a:solidFill>
+              <a:schemeClr val="accent2"/>
+            </a:solidFill>
+            <a:prstDash val="solid"/>
+            <a:round/>
+            <a:headEnd type="none" w="med" len="med"/>
+            <a:tailEnd type="arrow" w="med" len="med"/>
+          </a:ln>
+        </p:spPr>
+        <p:style>
+          <a:lnRef idx="0">
+            <a:scrgbClr r="0" g="0" b="0"/>
+          </a:lnRef>
+          <a:fillRef idx="0">
+            <a:scrgbClr r="0" g="0" b="0"/>
+          </a:fillRef>
+          <a:effectRef idx="0">
+            <a:scrgbClr r="0" g="0" b="0"/>
+          </a:effectRef>
+          <a:fontRef idx="minor">
+            <a:schemeClr val="tx1"/>
+          </a:fontRef>
+        </p:style>
+      </p:cxnSp>
+      <p:cxnSp>
+        <p:nvCxnSpPr>
+          <p:cNvPr id="65" name="Straight Arrow Connector 64">
+            <a:extLst>
+              <a:ext uri="{FF2B5EF4-FFF2-40B4-BE49-F238E27FC236}">
+                <a16:creationId xmlns:a16="http://schemas.microsoft.com/office/drawing/2014/main" id="{ED9EE4D7-1035-B648-8953-445B0AF45316}"/>
+              </a:ext>
+            </a:extLst>
+          </p:cNvPr>
+          <p:cNvCxnSpPr>
+            <a:cxnSpLocks/>
+          </p:cNvCxnSpPr>
+          <p:nvPr/>
+        </p:nvCxnSpPr>
+        <p:spPr>
+          <a:xfrm flipV="1">
+            <a:off x="3869037" y="4687881"/>
+            <a:ext cx="854559" cy="453269"/>
+          </a:xfrm>
+          <a:prstGeom prst="straightConnector1">
+            <a:avLst/>
+          </a:prstGeom>
+          <a:ln w="38100" cap="flat" cmpd="sng" algn="ctr">
+            <a:solidFill>
+              <a:schemeClr val="accent2"/>
+            </a:solidFill>
+            <a:prstDash val="solid"/>
+            <a:round/>
+            <a:headEnd type="none" w="med" len="med"/>
+            <a:tailEnd type="arrow" w="med" len="med"/>
+          </a:ln>
+        </p:spPr>
+        <p:style>
+          <a:lnRef idx="0">
+            <a:scrgbClr r="0" g="0" b="0"/>
+          </a:lnRef>
+          <a:fillRef idx="0">
+            <a:scrgbClr r="0" g="0" b="0"/>
+          </a:fillRef>
+          <a:effectRef idx="0">
+            <a:scrgbClr r="0" g="0" b="0"/>
+          </a:effectRef>
+          <a:fontRef idx="minor">
+            <a:schemeClr val="tx1"/>
+          </a:fontRef>
+        </p:style>
+      </p:cxnSp>
+      <p:cxnSp>
+        <p:nvCxnSpPr>
+          <p:cNvPr id="67" name="Straight Arrow Connector 66">
+            <a:extLst>
+              <a:ext uri="{FF2B5EF4-FFF2-40B4-BE49-F238E27FC236}">
+                <a16:creationId xmlns:a16="http://schemas.microsoft.com/office/drawing/2014/main" id="{0DE39285-22E2-9148-BE0D-A9EC3A8145F9}"/>
+              </a:ext>
+            </a:extLst>
+          </p:cNvPr>
+          <p:cNvCxnSpPr>
+            <a:cxnSpLocks/>
+          </p:cNvCxnSpPr>
+          <p:nvPr/>
+        </p:nvCxnSpPr>
+        <p:spPr>
+          <a:xfrm>
+            <a:off x="2949190" y="3375181"/>
+            <a:ext cx="1337837" cy="294842"/>
+          </a:xfrm>
+          <a:prstGeom prst="straightConnector1">
+            <a:avLst/>
+          </a:prstGeom>
+          <a:ln w="38100" cap="flat" cmpd="sng" algn="ctr">
+            <a:solidFill>
+              <a:schemeClr val="accent2"/>
+            </a:solidFill>
+            <a:prstDash val="solid"/>
+            <a:round/>
+            <a:headEnd type="none" w="med" len="med"/>
+            <a:tailEnd type="arrow" w="med" len="med"/>
+          </a:ln>
+        </p:spPr>
+        <p:style>
+          <a:lnRef idx="0">
+            <a:scrgbClr r="0" g="0" b="0"/>
+          </a:lnRef>
+          <a:fillRef idx="0">
+            <a:scrgbClr r="0" g="0" b="0"/>
+          </a:fillRef>
+          <a:effectRef idx="0">
+            <a:scrgbClr r="0" g="0" b="0"/>
+          </a:effectRef>
+          <a:fontRef idx="minor">
+            <a:schemeClr val="tx1"/>
+          </a:fontRef>
+        </p:style>
+      </p:cxnSp>
       <p:sp>
         <p:nvSpPr>
-          <p:cNvPr id="11" name="Elipse 10"/>
+          <p:cNvPr id="38" name="Elipse 13">
+            <a:extLst>
+              <a:ext uri="{FF2B5EF4-FFF2-40B4-BE49-F238E27FC236}">
+                <a16:creationId xmlns:a16="http://schemas.microsoft.com/office/drawing/2014/main" id="{91909D28-F324-2848-914F-8BDF8F837C65}"/>
+              </a:ext>
+            </a:extLst>
+          </p:cNvPr>
           <p:cNvSpPr/>
           <p:nvPr/>
         </p:nvSpPr>
         <p:spPr>
           <a:xfrm>
-            <a:off x="4014129" y="1418672"/>
-            <a:ext cx="1419492" cy="1419492"/>
+            <a:off x="4287028" y="2661352"/>
+            <a:ext cx="2328518" cy="2302415"/>
           </a:xfrm>
           <a:prstGeom prst="ellipse">
             <a:avLst/>
@@ -14507,336 +15572,10 @@
       </p:sp>
       <p:sp>
         <p:nvSpPr>
-          <p:cNvPr id="12" name="Elipse 11"/>
-          <p:cNvSpPr/>
-          <p:nvPr/>
-        </p:nvSpPr>
-        <p:spPr>
-          <a:xfrm>
-            <a:off x="7156241" y="1451004"/>
-            <a:ext cx="1419492" cy="1419492"/>
-          </a:xfrm>
-          <a:prstGeom prst="ellipse">
-            <a:avLst/>
-          </a:prstGeom>
-          <a:solidFill>
-            <a:schemeClr val="bg1"/>
-          </a:solidFill>
-          <a:ln w="19050" cap="flat" cmpd="sng" algn="ctr">
-            <a:solidFill>
-              <a:schemeClr val="bg1">
-                <a:lumMod val="75000"/>
-              </a:schemeClr>
-            </a:solidFill>
-            <a:prstDash val="solid"/>
-            <a:miter lim="800000"/>
-          </a:ln>
-          <a:effectLst/>
-        </p:spPr>
-        <p:txBody>
-          <a:bodyPr rtlCol="0" anchor="ctr"/>
-          <a:lstStyle/>
-          <a:p>
-            <a:pPr marL="0" marR="0" lvl="0" indent="0" algn="ctr" defTabSz="914400" eaLnBrk="1" fontAlgn="auto" latinLnBrk="0" hangingPunct="1">
-              <a:lnSpc>
-                <a:spcPct val="100000"/>
-              </a:lnSpc>
-              <a:spcBef>
-                <a:spcPts val="0"/>
-              </a:spcBef>
-              <a:spcAft>
-                <a:spcPts val="0"/>
-              </a:spcAft>
-              <a:buClrTx/>
-              <a:buSzTx/>
-              <a:buFontTx/>
-              <a:buNone/>
-              <a:tabLst/>
-              <a:defRPr/>
-            </a:pPr>
-            <a:endParaRPr kumimoji="0" lang="pt-BR" sz="1800" b="0" i="0" u="none" strike="noStrike" kern="0" cap="none" spc="0" normalizeH="0" baseline="0" noProof="0" dirty="0">
-              <a:ln>
-                <a:noFill/>
-              </a:ln>
-              <a:solidFill>
-                <a:prstClr val="white"/>
-              </a:solidFill>
-              <a:effectLst/>
-              <a:uLnTx/>
-              <a:uFillTx/>
-              <a:latin typeface="Itau Display" panose="020B0503020204020204" pitchFamily="34" charset="0"/>
-            </a:endParaRPr>
-          </a:p>
-        </p:txBody>
-      </p:sp>
-      <p:sp>
-        <p:nvSpPr>
-          <p:cNvPr id="13" name="Elipse 12"/>
-          <p:cNvSpPr/>
-          <p:nvPr/>
-        </p:nvSpPr>
-        <p:spPr>
-          <a:xfrm>
-            <a:off x="2594637" y="3602732"/>
-            <a:ext cx="1419492" cy="1419492"/>
-          </a:xfrm>
-          <a:prstGeom prst="ellipse">
-            <a:avLst/>
-          </a:prstGeom>
-          <a:solidFill>
-            <a:schemeClr val="bg1"/>
-          </a:solidFill>
-          <a:ln w="19050" cap="flat" cmpd="sng" algn="ctr">
-            <a:solidFill>
-              <a:schemeClr val="bg1">
-                <a:lumMod val="75000"/>
-              </a:schemeClr>
-            </a:solidFill>
-            <a:prstDash val="solid"/>
-            <a:miter lim="800000"/>
-          </a:ln>
-          <a:effectLst/>
-        </p:spPr>
-        <p:txBody>
-          <a:bodyPr rtlCol="0" anchor="ctr"/>
-          <a:lstStyle/>
-          <a:p>
-            <a:pPr marL="0" marR="0" lvl="0" indent="0" algn="ctr" defTabSz="914400" eaLnBrk="1" fontAlgn="auto" latinLnBrk="0" hangingPunct="1">
-              <a:lnSpc>
-                <a:spcPct val="100000"/>
-              </a:lnSpc>
-              <a:spcBef>
-                <a:spcPts val="0"/>
-              </a:spcBef>
-              <a:spcAft>
-                <a:spcPts val="0"/>
-              </a:spcAft>
-              <a:buClrTx/>
-              <a:buSzTx/>
-              <a:buFontTx/>
-              <a:buNone/>
-              <a:tabLst/>
-              <a:defRPr/>
-            </a:pPr>
-            <a:endParaRPr kumimoji="0" lang="pt-BR" sz="1800" b="0" i="0" u="none" strike="noStrike" kern="0" cap="none" spc="0" normalizeH="0" baseline="0" noProof="0" dirty="0">
-              <a:ln>
-                <a:noFill/>
-              </a:ln>
-              <a:solidFill>
-                <a:prstClr val="white"/>
-              </a:solidFill>
-              <a:effectLst/>
-              <a:uLnTx/>
-              <a:uFillTx/>
-              <a:latin typeface="Itau Display" panose="020B0503020204020204" pitchFamily="34" charset="0"/>
-            </a:endParaRPr>
-          </a:p>
-        </p:txBody>
-      </p:sp>
-      <p:sp>
-        <p:nvSpPr>
-          <p:cNvPr id="14" name="Elipse 13"/>
-          <p:cNvSpPr/>
-          <p:nvPr/>
-        </p:nvSpPr>
-        <p:spPr>
-          <a:xfrm>
-            <a:off x="872017" y="1418672"/>
-            <a:ext cx="1419492" cy="1419492"/>
-          </a:xfrm>
-          <a:prstGeom prst="ellipse">
-            <a:avLst/>
-          </a:prstGeom>
-          <a:solidFill>
-            <a:schemeClr val="bg1"/>
-          </a:solidFill>
-          <a:ln w="19050" cap="flat" cmpd="sng" algn="ctr">
-            <a:solidFill>
-              <a:schemeClr val="bg1">
-                <a:lumMod val="75000"/>
-              </a:schemeClr>
-            </a:solidFill>
-            <a:prstDash val="solid"/>
-            <a:miter lim="800000"/>
-          </a:ln>
-          <a:effectLst/>
-        </p:spPr>
-        <p:txBody>
-          <a:bodyPr rtlCol="0" anchor="ctr"/>
-          <a:lstStyle/>
-          <a:p>
-            <a:pPr marL="0" marR="0" lvl="0" indent="0" algn="ctr" defTabSz="914400" eaLnBrk="1" fontAlgn="auto" latinLnBrk="0" hangingPunct="1">
-              <a:lnSpc>
-                <a:spcPct val="100000"/>
-              </a:lnSpc>
-              <a:spcBef>
-                <a:spcPts val="0"/>
-              </a:spcBef>
-              <a:spcAft>
-                <a:spcPts val="0"/>
-              </a:spcAft>
-              <a:buClrTx/>
-              <a:buSzTx/>
-              <a:buFontTx/>
-              <a:buNone/>
-              <a:tabLst/>
-              <a:defRPr/>
-            </a:pPr>
-            <a:endParaRPr kumimoji="0" lang="pt-BR" sz="1800" b="0" i="0" u="none" strike="noStrike" kern="0" cap="none" spc="0" normalizeH="0" baseline="0" noProof="0" dirty="0">
-              <a:ln>
-                <a:noFill/>
-              </a:ln>
-              <a:solidFill>
-                <a:prstClr val="white"/>
-              </a:solidFill>
-              <a:effectLst/>
-              <a:uLnTx/>
-              <a:uFillTx/>
-              <a:latin typeface="Itau Display" panose="020B0503020204020204" pitchFamily="34" charset="0"/>
-            </a:endParaRPr>
-          </a:p>
-        </p:txBody>
-      </p:sp>
-      <p:sp>
-        <p:nvSpPr>
-          <p:cNvPr id="28" name="Elipse 10"/>
-          <p:cNvSpPr/>
-          <p:nvPr/>
-        </p:nvSpPr>
-        <p:spPr>
-          <a:xfrm>
-            <a:off x="6096000" y="3602732"/>
-            <a:ext cx="1419492" cy="1419492"/>
-          </a:xfrm>
-          <a:prstGeom prst="ellipse">
-            <a:avLst/>
-          </a:prstGeom>
-          <a:solidFill>
-            <a:schemeClr val="bg1"/>
-          </a:solidFill>
-          <a:ln w="19050" cap="flat" cmpd="sng" algn="ctr">
-            <a:solidFill>
-              <a:schemeClr val="bg1">
-                <a:lumMod val="75000"/>
-              </a:schemeClr>
-            </a:solidFill>
-            <a:prstDash val="solid"/>
-            <a:miter lim="800000"/>
-          </a:ln>
-          <a:effectLst/>
-        </p:spPr>
-        <p:txBody>
-          <a:bodyPr rtlCol="0" anchor="ctr"/>
-          <a:lstStyle/>
-          <a:p>
-            <a:pPr marL="0" marR="0" lvl="0" indent="0" algn="ctr" defTabSz="914400" eaLnBrk="1" fontAlgn="auto" latinLnBrk="0" hangingPunct="1">
-              <a:lnSpc>
-                <a:spcPct val="100000"/>
-              </a:lnSpc>
-              <a:spcBef>
-                <a:spcPts val="0"/>
-              </a:spcBef>
-              <a:spcAft>
-                <a:spcPts val="0"/>
-              </a:spcAft>
-              <a:buClrTx/>
-              <a:buSzTx/>
-              <a:buFontTx/>
-              <a:buNone/>
-              <a:tabLst/>
-              <a:defRPr/>
-            </a:pPr>
-            <a:endParaRPr kumimoji="0" lang="pt-BR" sz="1800" b="0" i="0" u="none" strike="noStrike" kern="0" cap="none" spc="0" normalizeH="0" baseline="0" noProof="0" dirty="0">
-              <a:ln>
-                <a:noFill/>
-              </a:ln>
-              <a:solidFill>
-                <a:prstClr val="white"/>
-              </a:solidFill>
-              <a:effectLst/>
-              <a:uLnTx/>
-              <a:uFillTx/>
-              <a:latin typeface="Itau Display" panose="020B0503020204020204" pitchFamily="34" charset="0"/>
-            </a:endParaRPr>
-          </a:p>
-        </p:txBody>
-      </p:sp>
-      <p:sp>
-        <p:nvSpPr>
-          <p:cNvPr id="32" name="Elipse 10">
+          <p:cNvPr id="69" name="TextBox 68">
             <a:extLst>
               <a:ext uri="{FF2B5EF4-FFF2-40B4-BE49-F238E27FC236}">
-                <a16:creationId xmlns:a16="http://schemas.microsoft.com/office/drawing/2014/main" id="{89780A09-B653-194D-8A8C-86D7C93BFFE0}"/>
-              </a:ext>
-            </a:extLst>
-          </p:cNvPr>
-          <p:cNvSpPr/>
-          <p:nvPr/>
-        </p:nvSpPr>
-        <p:spPr>
-          <a:xfrm>
-            <a:off x="9597363" y="3602732"/>
-            <a:ext cx="1419492" cy="1419492"/>
-          </a:xfrm>
-          <a:prstGeom prst="ellipse">
-            <a:avLst/>
-          </a:prstGeom>
-          <a:solidFill>
-            <a:schemeClr val="bg1"/>
-          </a:solidFill>
-          <a:ln w="19050" cap="flat" cmpd="sng" algn="ctr">
-            <a:solidFill>
-              <a:schemeClr val="bg1">
-                <a:lumMod val="75000"/>
-              </a:schemeClr>
-            </a:solidFill>
-            <a:prstDash val="solid"/>
-            <a:miter lim="800000"/>
-          </a:ln>
-          <a:effectLst/>
-        </p:spPr>
-        <p:txBody>
-          <a:bodyPr rtlCol="0" anchor="ctr"/>
-          <a:lstStyle/>
-          <a:p>
-            <a:pPr marL="0" marR="0" lvl="0" indent="0" algn="ctr" defTabSz="914400" eaLnBrk="1" fontAlgn="auto" latinLnBrk="0" hangingPunct="1">
-              <a:lnSpc>
-                <a:spcPct val="100000"/>
-              </a:lnSpc>
-              <a:spcBef>
-                <a:spcPts val="0"/>
-              </a:spcBef>
-              <a:spcAft>
-                <a:spcPts val="0"/>
-              </a:spcAft>
-              <a:buClrTx/>
-              <a:buSzTx/>
-              <a:buFontTx/>
-              <a:buNone/>
-              <a:tabLst/>
-              <a:defRPr/>
-            </a:pPr>
-            <a:endParaRPr kumimoji="0" lang="pt-BR" sz="1800" b="0" i="0" u="none" strike="noStrike" kern="0" cap="none" spc="0" normalizeH="0" baseline="0" noProof="0" dirty="0">
-              <a:ln>
-                <a:noFill/>
-              </a:ln>
-              <a:solidFill>
-                <a:prstClr val="white"/>
-              </a:solidFill>
-              <a:effectLst/>
-              <a:uLnTx/>
-              <a:uFillTx/>
-              <a:latin typeface="Itau Display" panose="020B0503020204020204" pitchFamily="34" charset="0"/>
-            </a:endParaRPr>
-          </a:p>
-        </p:txBody>
-      </p:sp>
-      <p:sp>
-        <p:nvSpPr>
-          <p:cNvPr id="2" name="TextBox 1">
-            <a:extLst>
-              <a:ext uri="{FF2B5EF4-FFF2-40B4-BE49-F238E27FC236}">
-                <a16:creationId xmlns:a16="http://schemas.microsoft.com/office/drawing/2014/main" id="{489AB305-2BD1-A144-8BF3-F3A1D2368420}"/>
+                <a16:creationId xmlns:a16="http://schemas.microsoft.com/office/drawing/2014/main" id="{E66755A0-BE4C-BA45-9D13-6B98D885C1CF}"/>
               </a:ext>
             </a:extLst>
           </p:cNvPr>
@@ -14845,8 +15584,8 @@
         </p:nvSpPr>
         <p:spPr>
           <a:xfrm>
-            <a:off x="1103462" y="1897585"/>
-            <a:ext cx="956603" cy="461665"/>
+            <a:off x="4445777" y="3581726"/>
+            <a:ext cx="2011019" cy="461665"/>
           </a:xfrm>
           <a:prstGeom prst="rect">
             <a:avLst/>
@@ -14859,231 +15598,11 @@
           </a:bodyPr>
           <a:lstStyle/>
           <a:p>
-            <a:pPr algn="ctr"/>
-            <a:r>
-              <a:rPr lang="en-US" sz="2400" b="1" dirty="0"/>
-              <a:t>DDD</a:t>
-            </a:r>
-          </a:p>
-        </p:txBody>
-      </p:sp>
-      <p:sp>
-        <p:nvSpPr>
-          <p:cNvPr id="33" name="TextBox 32">
-            <a:extLst>
-              <a:ext uri="{FF2B5EF4-FFF2-40B4-BE49-F238E27FC236}">
-                <a16:creationId xmlns:a16="http://schemas.microsoft.com/office/drawing/2014/main" id="{090DBE17-2A9B-564E-B351-70F9AFFDC797}"/>
-              </a:ext>
-            </a:extLst>
-          </p:cNvPr>
-          <p:cNvSpPr txBox="1"/>
-          <p:nvPr/>
-        </p:nvSpPr>
-        <p:spPr>
-          <a:xfrm>
-            <a:off x="4107315" y="1805251"/>
-            <a:ext cx="1233120" cy="646331"/>
-          </a:xfrm>
-          <a:prstGeom prst="rect">
-            <a:avLst/>
-          </a:prstGeom>
-          <a:noFill/>
-        </p:spPr>
-        <p:txBody>
-          <a:bodyPr wrap="square" rtlCol="0">
-            <a:spAutoFit/>
-          </a:bodyPr>
-          <a:lstStyle/>
-          <a:p>
-            <a:pPr algn="ctr"/>
-            <a:r>
-              <a:rPr lang="en-US" b="1" dirty="0" err="1"/>
-              <a:t>Entrega</a:t>
-            </a:r>
-            <a:r>
-              <a:rPr lang="en-US" b="1" dirty="0"/>
-              <a:t> </a:t>
-            </a:r>
-            <a:r>
-              <a:rPr lang="en-US" b="1" dirty="0" err="1"/>
-              <a:t>Contínua</a:t>
-            </a:r>
-            <a:endParaRPr lang="en-US" b="1" dirty="0"/>
-          </a:p>
-        </p:txBody>
-      </p:sp>
-      <p:sp>
-        <p:nvSpPr>
-          <p:cNvPr id="34" name="TextBox 33">
-            <a:extLst>
-              <a:ext uri="{FF2B5EF4-FFF2-40B4-BE49-F238E27FC236}">
-                <a16:creationId xmlns:a16="http://schemas.microsoft.com/office/drawing/2014/main" id="{1595A365-EEC3-CE45-B45C-B2AC298A29A3}"/>
-              </a:ext>
-            </a:extLst>
-          </p:cNvPr>
-          <p:cNvSpPr txBox="1"/>
-          <p:nvPr/>
-        </p:nvSpPr>
-        <p:spPr>
-          <a:xfrm>
-            <a:off x="7062021" y="1805251"/>
-            <a:ext cx="1607931" cy="646331"/>
-          </a:xfrm>
-          <a:prstGeom prst="rect">
-            <a:avLst/>
-          </a:prstGeom>
-          <a:noFill/>
-        </p:spPr>
-        <p:txBody>
-          <a:bodyPr wrap="square" rtlCol="0">
-            <a:spAutoFit/>
-          </a:bodyPr>
-          <a:lstStyle/>
-          <a:p>
-            <a:pPr algn="ctr"/>
-            <a:r>
-              <a:rPr lang="en-US" b="1" dirty="0"/>
-              <a:t>On-demand Virtualization</a:t>
-            </a:r>
-          </a:p>
-        </p:txBody>
-      </p:sp>
-      <p:sp>
-        <p:nvSpPr>
-          <p:cNvPr id="35" name="TextBox 34">
-            <a:extLst>
-              <a:ext uri="{FF2B5EF4-FFF2-40B4-BE49-F238E27FC236}">
-                <a16:creationId xmlns:a16="http://schemas.microsoft.com/office/drawing/2014/main" id="{553E56CC-1690-B440-A51B-8F6E6FB1020F}"/>
-              </a:ext>
-            </a:extLst>
-          </p:cNvPr>
-          <p:cNvSpPr txBox="1"/>
-          <p:nvPr/>
-        </p:nvSpPr>
-        <p:spPr>
-          <a:xfrm>
-            <a:off x="2500417" y="3989312"/>
-            <a:ext cx="1607931" cy="584775"/>
-          </a:xfrm>
-          <a:prstGeom prst="rect">
-            <a:avLst/>
-          </a:prstGeom>
-          <a:noFill/>
-        </p:spPr>
-        <p:txBody>
-          <a:bodyPr wrap="square" rtlCol="0">
-            <a:spAutoFit/>
-          </a:bodyPr>
-          <a:lstStyle/>
-          <a:p>
-            <a:pPr algn="ctr"/>
-            <a:r>
-              <a:rPr lang="en-US" sz="1600" b="1" dirty="0" err="1"/>
-              <a:t>Automação</a:t>
-            </a:r>
-            <a:r>
-              <a:rPr lang="en-US" sz="1600" b="1" dirty="0"/>
-              <a:t> da infra-</a:t>
-            </a:r>
-            <a:r>
-              <a:rPr lang="en-US" sz="1600" b="1" dirty="0" err="1"/>
-              <a:t>estrutura</a:t>
-            </a:r>
-            <a:endParaRPr lang="en-US" sz="1600" b="1" dirty="0"/>
-          </a:p>
-        </p:txBody>
-      </p:sp>
-      <p:sp>
-        <p:nvSpPr>
-          <p:cNvPr id="36" name="TextBox 35">
-            <a:extLst>
-              <a:ext uri="{FF2B5EF4-FFF2-40B4-BE49-F238E27FC236}">
-                <a16:creationId xmlns:a16="http://schemas.microsoft.com/office/drawing/2014/main" id="{E45F026D-6C88-2146-AEFA-75CFEDA68430}"/>
-              </a:ext>
-            </a:extLst>
-          </p:cNvPr>
-          <p:cNvSpPr txBox="1"/>
-          <p:nvPr/>
-        </p:nvSpPr>
-        <p:spPr>
-          <a:xfrm>
-            <a:off x="6001780" y="4043869"/>
-            <a:ext cx="1607931" cy="584775"/>
-          </a:xfrm>
-          <a:prstGeom prst="rect">
-            <a:avLst/>
-          </a:prstGeom>
-          <a:noFill/>
-        </p:spPr>
-        <p:txBody>
-          <a:bodyPr wrap="square" rtlCol="0">
-            <a:spAutoFit/>
-          </a:bodyPr>
-          <a:lstStyle/>
-          <a:p>
-            <a:pPr algn="ctr"/>
-            <a:r>
-              <a:rPr lang="en-US" sz="1600" b="1" dirty="0"/>
-              <a:t>Times </a:t>
-            </a:r>
-            <a:r>
-              <a:rPr lang="en-US" sz="1600" b="1" dirty="0" err="1"/>
-              <a:t>pequenos</a:t>
-            </a:r>
-            <a:r>
-              <a:rPr lang="en-US" sz="1600" b="1" dirty="0"/>
-              <a:t> </a:t>
-            </a:r>
-            <a:r>
-              <a:rPr lang="en-US" sz="1600" b="1" dirty="0" err="1"/>
-              <a:t>autônomos</a:t>
-            </a:r>
-            <a:endParaRPr lang="en-US" sz="1600" b="1" dirty="0"/>
-          </a:p>
-        </p:txBody>
-      </p:sp>
-      <p:sp>
-        <p:nvSpPr>
-          <p:cNvPr id="37" name="TextBox 36">
-            <a:extLst>
-              <a:ext uri="{FF2B5EF4-FFF2-40B4-BE49-F238E27FC236}">
-                <a16:creationId xmlns:a16="http://schemas.microsoft.com/office/drawing/2014/main" id="{FA52431A-1D46-2146-BE38-407D7E340941}"/>
-              </a:ext>
-            </a:extLst>
-          </p:cNvPr>
-          <p:cNvSpPr txBox="1"/>
-          <p:nvPr/>
-        </p:nvSpPr>
-        <p:spPr>
-          <a:xfrm>
-            <a:off x="9676480" y="3982313"/>
-            <a:ext cx="1233120" cy="646331"/>
-          </a:xfrm>
-          <a:prstGeom prst="rect">
-            <a:avLst/>
-          </a:prstGeom>
-          <a:noFill/>
-        </p:spPr>
-        <p:txBody>
-          <a:bodyPr wrap="square" rtlCol="0">
-            <a:spAutoFit/>
-          </a:bodyPr>
-          <a:lstStyle/>
-          <a:p>
-            <a:pPr algn="ctr"/>
-            <a:r>
-              <a:rPr lang="en-US" b="1" dirty="0" err="1"/>
-              <a:t>Sistemas</a:t>
-            </a:r>
-            <a:r>
-              <a:rPr lang="en-US" b="1" dirty="0"/>
-              <a:t> </a:t>
-            </a:r>
-            <a:r>
-              <a:rPr lang="en-US" b="1" dirty="0" err="1"/>
-              <a:t>escaláveis</a:t>
-            </a:r>
-            <a:endParaRPr lang="en-US" b="1" dirty="0"/>
+            <a:r>
+              <a:rPr lang="en-US" sz="2400" b="1" dirty="0" err="1"/>
+              <a:t>Microserviços</a:t>
+            </a:r>
+            <a:endParaRPr lang="en-US" sz="2400" b="1" dirty="0"/>
           </a:p>
         </p:txBody>
       </p:sp>
@@ -16536,7 +17055,7 @@
                 <a:ea typeface="+mn-ea"/>
                 <a:cs typeface="+mn-cs"/>
               </a:rPr>
-              <a:t>Vantagens e desvantagens</a:t>
+              <a:t>Benefícios e desafios</a:t>
             </a:r>
           </a:p>
         </p:txBody>
@@ -16671,7 +17190,7 @@
         </p:nvSpPr>
         <p:spPr>
           <a:xfrm>
-            <a:off x="759655" y="1603717"/>
+            <a:off x="801858" y="1941341"/>
             <a:ext cx="4346917" cy="2677656"/>
           </a:xfrm>
           <a:prstGeom prst="rect">
@@ -16797,6 +17316,262 @@
               <a:t>implantação</a:t>
             </a:r>
             <a:endParaRPr lang="en-US" dirty="0"/>
+          </a:p>
+        </p:txBody>
+      </p:sp>
+      <p:sp>
+        <p:nvSpPr>
+          <p:cNvPr id="7" name="TextBox 6">
+            <a:extLst>
+              <a:ext uri="{FF2B5EF4-FFF2-40B4-BE49-F238E27FC236}">
+                <a16:creationId xmlns:a16="http://schemas.microsoft.com/office/drawing/2014/main" id="{D95DDCBD-A160-C741-95DD-3C4651CCB48C}"/>
+              </a:ext>
+            </a:extLst>
+          </p:cNvPr>
+          <p:cNvSpPr txBox="1"/>
+          <p:nvPr/>
+        </p:nvSpPr>
+        <p:spPr>
+          <a:xfrm>
+            <a:off x="6665741" y="2033674"/>
+            <a:ext cx="4346917" cy="2585323"/>
+          </a:xfrm>
+          <a:prstGeom prst="rect">
+            <a:avLst/>
+          </a:prstGeom>
+          <a:noFill/>
+        </p:spPr>
+        <p:txBody>
+          <a:bodyPr wrap="square" rtlCol="0">
+            <a:spAutoFit/>
+          </a:bodyPr>
+          <a:lstStyle/>
+          <a:p>
+            <a:pPr marL="285750" indent="-285750">
+              <a:buFont typeface="Arial" panose="020B0604020202020204" pitchFamily="34" charset="0"/>
+              <a:buChar char="•"/>
+            </a:pPr>
+            <a:r>
+              <a:rPr lang="en-US" dirty="0" err="1"/>
+              <a:t>Integração</a:t>
+            </a:r>
+            <a:r>
+              <a:rPr lang="en-US" dirty="0"/>
+              <a:t>/</a:t>
+            </a:r>
+            <a:r>
+              <a:rPr lang="en-US" dirty="0" err="1"/>
+              <a:t>Comunicação</a:t>
+            </a:r>
+            <a:endParaRPr lang="en-US" dirty="0"/>
+          </a:p>
+          <a:p>
+            <a:pPr marL="285750" indent="-285750">
+              <a:buFont typeface="Arial" panose="020B0604020202020204" pitchFamily="34" charset="0"/>
+              <a:buChar char="•"/>
+            </a:pPr>
+            <a:r>
+              <a:rPr lang="en-US" dirty="0"/>
+              <a:t>Service Discovery</a:t>
+            </a:r>
+          </a:p>
+          <a:p>
+            <a:pPr marL="285750" indent="-285750">
+              <a:buFont typeface="Arial" panose="020B0604020202020204" pitchFamily="34" charset="0"/>
+              <a:buChar char="•"/>
+            </a:pPr>
+            <a:r>
+              <a:rPr lang="en-US" dirty="0"/>
+              <a:t>Performance</a:t>
+            </a:r>
+          </a:p>
+          <a:p>
+            <a:pPr marL="285750" indent="-285750">
+              <a:buFont typeface="Arial" panose="020B0604020202020204" pitchFamily="34" charset="0"/>
+              <a:buChar char="•"/>
+            </a:pPr>
+            <a:r>
+              <a:rPr lang="en-US" dirty="0" err="1"/>
+              <a:t>Tolerância</a:t>
+            </a:r>
+            <a:r>
+              <a:rPr lang="en-US" dirty="0"/>
+              <a:t> a </a:t>
+            </a:r>
+            <a:r>
+              <a:rPr lang="en-US" dirty="0" err="1"/>
+              <a:t>falhas</a:t>
+            </a:r>
+            <a:endParaRPr lang="en-US" dirty="0"/>
+          </a:p>
+          <a:p>
+            <a:pPr marL="285750" indent="-285750">
+              <a:buFont typeface="Arial" panose="020B0604020202020204" pitchFamily="34" charset="0"/>
+              <a:buChar char="•"/>
+            </a:pPr>
+            <a:r>
+              <a:rPr lang="en-US" dirty="0" err="1"/>
+              <a:t>Segurança</a:t>
+            </a:r>
+            <a:endParaRPr lang="en-US" dirty="0"/>
+          </a:p>
+          <a:p>
+            <a:pPr marL="285750" indent="-285750">
+              <a:buFont typeface="Arial" panose="020B0604020202020204" pitchFamily="34" charset="0"/>
+              <a:buChar char="•"/>
+            </a:pPr>
+            <a:r>
+              <a:rPr lang="en-US" dirty="0"/>
+              <a:t>Tracing e Logging</a:t>
+            </a:r>
+          </a:p>
+          <a:p>
+            <a:pPr marL="285750" indent="-285750">
+              <a:buFont typeface="Arial" panose="020B0604020202020204" pitchFamily="34" charset="0"/>
+              <a:buChar char="•"/>
+            </a:pPr>
+            <a:r>
+              <a:rPr lang="en-US" dirty="0" err="1"/>
+              <a:t>Monitoramento</a:t>
+            </a:r>
+            <a:r>
+              <a:rPr lang="en-US" dirty="0"/>
+              <a:t> do </a:t>
+            </a:r>
+            <a:r>
+              <a:rPr lang="en-US" dirty="0" err="1"/>
+              <a:t>desempenho</a:t>
+            </a:r>
+            <a:r>
+              <a:rPr lang="en-US" dirty="0"/>
+              <a:t> da </a:t>
+            </a:r>
+            <a:r>
+              <a:rPr lang="en-US" dirty="0" err="1"/>
+              <a:t>aplicação</a:t>
+            </a:r>
+            <a:endParaRPr lang="en-US" dirty="0"/>
+          </a:p>
+          <a:p>
+            <a:pPr marL="285750" indent="-285750">
+              <a:buFont typeface="Arial" panose="020B0604020202020204" pitchFamily="34" charset="0"/>
+              <a:buChar char="•"/>
+            </a:pPr>
+            <a:r>
+              <a:rPr lang="en-US" dirty="0" err="1"/>
+              <a:t>Operação</a:t>
+            </a:r>
+            <a:r>
+              <a:rPr lang="en-US" dirty="0"/>
+              <a:t> de </a:t>
+            </a:r>
+            <a:r>
+              <a:rPr lang="en-US" dirty="0" err="1"/>
+              <a:t>implantação</a:t>
+            </a:r>
+            <a:endParaRPr lang="en-US" dirty="0"/>
+          </a:p>
+        </p:txBody>
+      </p:sp>
+      <p:sp>
+        <p:nvSpPr>
+          <p:cNvPr id="8" name="TextBox 7">
+            <a:extLst>
+              <a:ext uri="{FF2B5EF4-FFF2-40B4-BE49-F238E27FC236}">
+                <a16:creationId xmlns:a16="http://schemas.microsoft.com/office/drawing/2014/main" id="{5545B752-D108-2E40-89DE-1B010D06236A}"/>
+              </a:ext>
+            </a:extLst>
+          </p:cNvPr>
+          <p:cNvSpPr txBox="1"/>
+          <p:nvPr/>
+        </p:nvSpPr>
+        <p:spPr>
+          <a:xfrm>
+            <a:off x="942534" y="1395180"/>
+            <a:ext cx="4065564" cy="553998"/>
+          </a:xfrm>
+          <a:prstGeom prst="rect">
+            <a:avLst/>
+          </a:prstGeom>
+          <a:noFill/>
+        </p:spPr>
+        <p:txBody>
+          <a:bodyPr wrap="square" rtlCol="0">
+            <a:spAutoFit/>
+          </a:bodyPr>
+          <a:lstStyle/>
+          <a:p>
+            <a:pPr algn="ctr"/>
+            <a:r>
+              <a:rPr lang="en-US" sz="3000" b="1" dirty="0" err="1">
+                <a:solidFill>
+                  <a:schemeClr val="accent2">
+                    <a:lumMod val="75000"/>
+                  </a:schemeClr>
+                </a:solidFill>
+                <a:latin typeface="Itau Display"/>
+              </a:rPr>
+              <a:t>Benefícios</a:t>
+            </a:r>
+            <a:endParaRPr lang="en-US" sz="3000" b="1" dirty="0">
+              <a:solidFill>
+                <a:schemeClr val="accent2">
+                  <a:lumMod val="75000"/>
+                </a:schemeClr>
+              </a:solidFill>
+              <a:latin typeface="Itau Display"/>
+            </a:endParaRPr>
+          </a:p>
+        </p:txBody>
+      </p:sp>
+      <p:sp>
+        <p:nvSpPr>
+          <p:cNvPr id="9" name="TextBox 8">
+            <a:extLst>
+              <a:ext uri="{FF2B5EF4-FFF2-40B4-BE49-F238E27FC236}">
+                <a16:creationId xmlns:a16="http://schemas.microsoft.com/office/drawing/2014/main" id="{736039A8-B84C-F14A-A1AA-BA69D44D9574}"/>
+              </a:ext>
+            </a:extLst>
+          </p:cNvPr>
+          <p:cNvSpPr txBox="1"/>
+          <p:nvPr/>
+        </p:nvSpPr>
+        <p:spPr>
+          <a:xfrm>
+            <a:off x="6806417" y="1395180"/>
+            <a:ext cx="4065564" cy="553998"/>
+          </a:xfrm>
+          <a:prstGeom prst="rect">
+            <a:avLst/>
+          </a:prstGeom>
+          <a:noFill/>
+        </p:spPr>
+        <p:txBody>
+          <a:bodyPr wrap="square" rtlCol="0">
+            <a:spAutoFit/>
+          </a:bodyPr>
+          <a:lstStyle/>
+          <a:p>
+            <a:pPr algn="ctr"/>
+            <a:r>
+              <a:rPr lang="en-US" sz="3000" b="1" dirty="0" err="1">
+                <a:solidFill>
+                  <a:schemeClr val="accent2">
+                    <a:lumMod val="75000"/>
+                  </a:schemeClr>
+                </a:solidFill>
+                <a:latin typeface="Itau Display"/>
+              </a:rPr>
+              <a:t>Desafios</a:t>
+            </a:r>
+            <a:endParaRPr lang="en-US" sz="3000" b="1" dirty="0">
+              <a:solidFill>
+                <a:schemeClr val="accent2">
+                  <a:lumMod val="75000"/>
+                </a:schemeClr>
+              </a:solidFill>
+              <a:latin typeface="Itau Display"/>
+            </a:endParaRPr>
           </a:p>
         </p:txBody>
       </p:sp>

--- a/article-presentation/Artigo.pptx
+++ b/article-presentation/Artigo.pptx
@@ -7909,7 +7909,7 @@
           <a:graphicData uri="http://schemas.openxmlformats.org/presentationml/2006/ole">
             <mc:AlternateContent xmlns:mc="http://schemas.openxmlformats.org/markup-compatibility/2006">
               <mc:Choice xmlns:v="urn:schemas-microsoft-com:vml" Requires="v">
-                <p:oleObj spid="_x0000_s21790" name="Equation" r:id="rId4" imgW="545760" imgH="241200" progId="Equation.3">
+                <p:oleObj spid="_x0000_s21798" name="Equation" r:id="rId4" imgW="545760" imgH="241200" progId="Equation.3">
                   <p:embed/>
                 </p:oleObj>
               </mc:Choice>
@@ -7985,7 +7985,7 @@
           <a:graphicData uri="http://schemas.openxmlformats.org/presentationml/2006/ole">
             <mc:AlternateContent xmlns:mc="http://schemas.openxmlformats.org/markup-compatibility/2006">
               <mc:Choice xmlns:v="urn:schemas-microsoft-com:vml" Requires="v">
-                <p:oleObj spid="_x0000_s21791" name="Equation" r:id="rId6" imgW="1002865" imgH="253890" progId="Equation.3">
+                <p:oleObj spid="_x0000_s21799" name="Equation" r:id="rId6" imgW="1002865" imgH="253890" progId="Equation.3">
                   <p:embed/>
                 </p:oleObj>
               </mc:Choice>
@@ -8061,7 +8061,7 @@
           <a:graphicData uri="http://schemas.openxmlformats.org/presentationml/2006/ole">
             <mc:AlternateContent xmlns:mc="http://schemas.openxmlformats.org/markup-compatibility/2006">
               <mc:Choice xmlns:v="urn:schemas-microsoft-com:vml" Requires="v">
-                <p:oleObj spid="_x0000_s21792" name="Equation" r:id="rId8" imgW="1143000" imgH="304800" progId="Equation.3">
+                <p:oleObj spid="_x0000_s21800" name="Equation" r:id="rId8" imgW="1143000" imgH="304800" progId="Equation.3">
                   <p:embed/>
                 </p:oleObj>
               </mc:Choice>
@@ -8137,7 +8137,7 @@
           <a:graphicData uri="http://schemas.openxmlformats.org/presentationml/2006/ole">
             <mc:AlternateContent xmlns:mc="http://schemas.openxmlformats.org/markup-compatibility/2006">
               <mc:Choice xmlns:v="urn:schemas-microsoft-com:vml" Requires="v">
-                <p:oleObj spid="_x0000_s21793" name="Equation" r:id="rId10" imgW="1206500" imgH="241300" progId="Equation.3">
+                <p:oleObj spid="_x0000_s21801" name="Equation" r:id="rId10" imgW="1206500" imgH="241300" progId="Equation.3">
                   <p:embed/>
                 </p:oleObj>
               </mc:Choice>
@@ -8795,7 +8795,7 @@
           <a:graphicData uri="http://schemas.openxmlformats.org/presentationml/2006/ole">
             <mc:AlternateContent xmlns:mc="http://schemas.openxmlformats.org/markup-compatibility/2006">
               <mc:Choice xmlns:v="urn:schemas-microsoft-com:vml" Requires="v">
-                <p:oleObj spid="_x0000_s22676" name="Equation" r:id="rId5" imgW="1002865" imgH="253890" progId="Equation.3">
+                <p:oleObj spid="_x0000_s22682" name="Equation" r:id="rId5" imgW="1002865" imgH="253890" progId="Equation.3">
                   <p:embed/>
                 </p:oleObj>
               </mc:Choice>
@@ -8871,7 +8871,7 @@
           <a:graphicData uri="http://schemas.openxmlformats.org/presentationml/2006/ole">
             <mc:AlternateContent xmlns:mc="http://schemas.openxmlformats.org/markup-compatibility/2006">
               <mc:Choice xmlns:v="urn:schemas-microsoft-com:vml" Requires="v">
-                <p:oleObj spid="_x0000_s22677" name="Equation" r:id="rId7" imgW="1143000" imgH="304800" progId="Equation.3">
+                <p:oleObj spid="_x0000_s22683" name="Equation" r:id="rId7" imgW="1143000" imgH="304800" progId="Equation.3">
                   <p:embed/>
                 </p:oleObj>
               </mc:Choice>
@@ -8971,7 +8971,7 @@
           <a:graphicData uri="http://schemas.openxmlformats.org/presentationml/2006/ole">
             <mc:AlternateContent xmlns:mc="http://schemas.openxmlformats.org/markup-compatibility/2006">
               <mc:Choice xmlns:v="urn:schemas-microsoft-com:vml" Requires="v">
-                <p:oleObj spid="_x0000_s22678" name="Equation" r:id="rId10" imgW="1206500" imgH="241300" progId="Equation.3">
+                <p:oleObj spid="_x0000_s22684" name="Equation" r:id="rId10" imgW="1206500" imgH="241300" progId="Equation.3">
                   <p:embed/>
                 </p:oleObj>
               </mc:Choice>
@@ -16411,7 +16411,7 @@
               <a:t>protocolo</a:t>
             </a:r>
             <a:r>
-              <a:rPr lang="en-US" sz="1600" kern="0" dirty="0">
+              <a:rPr lang="en-US" sz="1600" kern="0">
                 <a:solidFill>
                   <a:srgbClr val="606163"/>
                 </a:solidFill>
@@ -16419,13 +16419,18 @@
               <a:t> HTTP</a:t>
             </a:r>
             <a:r>
-              <a:rPr lang="pt-BR" sz="1600" kern="0" dirty="0">
+              <a:rPr lang="pt-BR" sz="1600" kern="0">
                 <a:solidFill>
                   <a:srgbClr val="606163"/>
                 </a:solidFill>
               </a:rPr>
               <a:t> </a:t>
             </a:r>
+            <a:endParaRPr lang="pt-BR" sz="1600" kern="0" dirty="0">
+              <a:solidFill>
+                <a:srgbClr val="606163"/>
+              </a:solidFill>
+            </a:endParaRPr>
           </a:p>
           <a:p>
             <a:pPr lvl="0" defTabSz="914400">

--- a/article-presentation/Artigo.pptx
+++ b/article-presentation/Artigo.pptx
@@ -360,7 +360,7 @@
           <a:p>
             <a:fld id="{96DFF08F-DC6B-4601-B491-B0F83F6DD2DA}" type="datetimeFigureOut">
               <a:rPr lang="en-US" dirty="0"/>
-              <a:t>11/10/18</a:t>
+              <a:t>11/11/18</a:t>
             </a:fld>
             <a:endParaRPr lang="en-US" dirty="0"/>
           </a:p>
@@ -563,7 +563,7 @@
           <a:p>
             <a:fld id="{96DFF08F-DC6B-4601-B491-B0F83F6DD2DA}" type="datetimeFigureOut">
               <a:rPr lang="en-US" dirty="0"/>
-              <a:t>11/10/18</a:t>
+              <a:t>11/11/18</a:t>
             </a:fld>
             <a:endParaRPr lang="en-US" dirty="0"/>
           </a:p>
@@ -814,7 +814,7 @@
           <a:p>
             <a:fld id="{96DFF08F-DC6B-4601-B491-B0F83F6DD2DA}" type="datetimeFigureOut">
               <a:rPr lang="en-US" dirty="0"/>
-              <a:t>11/10/18</a:t>
+              <a:t>11/11/18</a:t>
             </a:fld>
             <a:endParaRPr lang="en-US" dirty="0"/>
           </a:p>
@@ -979,7 +979,7 @@
           <a:p>
             <a:fld id="{D62CEF3B-A037-46D0-B02C-1428F07E9383}" type="datetimeFigureOut">
               <a:rPr lang="en-US" dirty="0"/>
-              <a:t>11/10/18</a:t>
+              <a:t>11/11/18</a:t>
             </a:fld>
             <a:endParaRPr lang="en-US" dirty="0"/>
           </a:p>
@@ -1368,7 +1368,7 @@
           <a:p>
             <a:fld id="{96DFF08F-DC6B-4601-B491-B0F83F6DD2DA}" type="datetimeFigureOut">
               <a:rPr lang="en-US" dirty="0"/>
-              <a:t>11/10/18</a:t>
+              <a:t>11/11/18</a:t>
             </a:fld>
             <a:endParaRPr lang="en-US" dirty="0"/>
           </a:p>
@@ -1638,7 +1638,7 @@
           <a:p>
             <a:fld id="{96DFF08F-DC6B-4601-B491-B0F83F6DD2DA}" type="datetimeFigureOut">
               <a:rPr lang="en-US" dirty="0"/>
-              <a:t>11/10/18</a:t>
+              <a:t>11/11/18</a:t>
             </a:fld>
             <a:endParaRPr lang="en-US" dirty="0"/>
           </a:p>
@@ -2012,7 +2012,7 @@
           <a:p>
             <a:fld id="{96DFF08F-DC6B-4601-B491-B0F83F6DD2DA}" type="datetimeFigureOut">
               <a:rPr lang="en-US" dirty="0"/>
-              <a:t>11/10/18</a:t>
+              <a:t>11/11/18</a:t>
             </a:fld>
             <a:endParaRPr lang="en-US" dirty="0"/>
           </a:p>
@@ -2125,7 +2125,7 @@
           <a:p>
             <a:fld id="{96DFF08F-DC6B-4601-B491-B0F83F6DD2DA}" type="datetimeFigureOut">
               <a:rPr lang="en-US" dirty="0"/>
-              <a:t>11/10/18</a:t>
+              <a:t>11/11/18</a:t>
             </a:fld>
             <a:endParaRPr lang="en-US" dirty="0"/>
           </a:p>
@@ -2292,7 +2292,7 @@
             <a:fld id="{96DFF08F-DC6B-4601-B491-B0F83F6DD2DA}" type="datetimeFigureOut">
               <a:rPr lang="en-US" dirty="0"/>
               <a:pPr/>
-              <a:t>11/10/18</a:t>
+              <a:t>11/11/18</a:t>
             </a:fld>
             <a:endParaRPr lang="en-US" dirty="0"/>
           </a:p>
@@ -2643,7 +2643,7 @@
             <a:fld id="{96DFF08F-DC6B-4601-B491-B0F83F6DD2DA}" type="datetimeFigureOut">
               <a:rPr lang="en-US" dirty="0"/>
               <a:pPr/>
-              <a:t>11/10/18</a:t>
+              <a:t>11/11/18</a:t>
             </a:fld>
             <a:endParaRPr lang="en-US" dirty="0"/>
           </a:p>
@@ -3016,7 +3016,7 @@
           <a:p>
             <a:fld id="{96DFF08F-DC6B-4601-B491-B0F83F6DD2DA}" type="datetimeFigureOut">
               <a:rPr lang="en-US" dirty="0"/>
-              <a:t>11/10/18</a:t>
+              <a:t>11/11/18</a:t>
             </a:fld>
             <a:endParaRPr lang="en-US" dirty="0"/>
           </a:p>
@@ -3299,7 +3299,7 @@
             <a:fld id="{96DFF08F-DC6B-4601-B491-B0F83F6DD2DA}" type="datetimeFigureOut">
               <a:rPr lang="en-US" dirty="0"/>
               <a:pPr/>
-              <a:t>11/10/18</a:t>
+              <a:t>11/11/18</a:t>
             </a:fld>
             <a:endParaRPr lang="en-US" dirty="0"/>
           </a:p>
@@ -7909,7 +7909,7 @@
           <a:graphicData uri="http://schemas.openxmlformats.org/presentationml/2006/ole">
             <mc:AlternateContent xmlns:mc="http://schemas.openxmlformats.org/markup-compatibility/2006">
               <mc:Choice xmlns:v="urn:schemas-microsoft-com:vml" Requires="v">
-                <p:oleObj spid="_x0000_s21798" name="Equation" r:id="rId4" imgW="545760" imgH="241200" progId="Equation.3">
+                <p:oleObj spid="_x0000_s21830" name="Equation" r:id="rId4" imgW="545760" imgH="241200" progId="Equation.3">
                   <p:embed/>
                 </p:oleObj>
               </mc:Choice>
@@ -7985,7 +7985,7 @@
           <a:graphicData uri="http://schemas.openxmlformats.org/presentationml/2006/ole">
             <mc:AlternateContent xmlns:mc="http://schemas.openxmlformats.org/markup-compatibility/2006">
               <mc:Choice xmlns:v="urn:schemas-microsoft-com:vml" Requires="v">
-                <p:oleObj spid="_x0000_s21799" name="Equation" r:id="rId6" imgW="1002865" imgH="253890" progId="Equation.3">
+                <p:oleObj spid="_x0000_s21831" name="Equation" r:id="rId6" imgW="1002865" imgH="253890" progId="Equation.3">
                   <p:embed/>
                 </p:oleObj>
               </mc:Choice>
@@ -8061,7 +8061,7 @@
           <a:graphicData uri="http://schemas.openxmlformats.org/presentationml/2006/ole">
             <mc:AlternateContent xmlns:mc="http://schemas.openxmlformats.org/markup-compatibility/2006">
               <mc:Choice xmlns:v="urn:schemas-microsoft-com:vml" Requires="v">
-                <p:oleObj spid="_x0000_s21800" name="Equation" r:id="rId8" imgW="1143000" imgH="304800" progId="Equation.3">
+                <p:oleObj spid="_x0000_s21832" name="Equation" r:id="rId8" imgW="1143000" imgH="304800" progId="Equation.3">
                   <p:embed/>
                 </p:oleObj>
               </mc:Choice>
@@ -8137,7 +8137,7 @@
           <a:graphicData uri="http://schemas.openxmlformats.org/presentationml/2006/ole">
             <mc:AlternateContent xmlns:mc="http://schemas.openxmlformats.org/markup-compatibility/2006">
               <mc:Choice xmlns:v="urn:schemas-microsoft-com:vml" Requires="v">
-                <p:oleObj spid="_x0000_s21801" name="Equation" r:id="rId10" imgW="1206500" imgH="241300" progId="Equation.3">
+                <p:oleObj spid="_x0000_s21833" name="Equation" r:id="rId10" imgW="1206500" imgH="241300" progId="Equation.3">
                   <p:embed/>
                 </p:oleObj>
               </mc:Choice>
@@ -8795,7 +8795,7 @@
           <a:graphicData uri="http://schemas.openxmlformats.org/presentationml/2006/ole">
             <mc:AlternateContent xmlns:mc="http://schemas.openxmlformats.org/markup-compatibility/2006">
               <mc:Choice xmlns:v="urn:schemas-microsoft-com:vml" Requires="v">
-                <p:oleObj spid="_x0000_s22682" name="Equation" r:id="rId5" imgW="1002865" imgH="253890" progId="Equation.3">
+                <p:oleObj spid="_x0000_s22706" name="Equation" r:id="rId5" imgW="1002865" imgH="253890" progId="Equation.3">
                   <p:embed/>
                 </p:oleObj>
               </mc:Choice>
@@ -8871,7 +8871,7 @@
           <a:graphicData uri="http://schemas.openxmlformats.org/presentationml/2006/ole">
             <mc:AlternateContent xmlns:mc="http://schemas.openxmlformats.org/markup-compatibility/2006">
               <mc:Choice xmlns:v="urn:schemas-microsoft-com:vml" Requires="v">
-                <p:oleObj spid="_x0000_s22683" name="Equation" r:id="rId7" imgW="1143000" imgH="304800" progId="Equation.3">
+                <p:oleObj spid="_x0000_s22707" name="Equation" r:id="rId7" imgW="1143000" imgH="304800" progId="Equation.3">
                   <p:embed/>
                 </p:oleObj>
               </mc:Choice>
@@ -8971,7 +8971,7 @@
           <a:graphicData uri="http://schemas.openxmlformats.org/presentationml/2006/ole">
             <mc:AlternateContent xmlns:mc="http://schemas.openxmlformats.org/markup-compatibility/2006">
               <mc:Choice xmlns:v="urn:schemas-microsoft-com:vml" Requires="v">
-                <p:oleObj spid="_x0000_s22684" name="Equation" r:id="rId10" imgW="1206500" imgH="241300" progId="Equation.3">
+                <p:oleObj spid="_x0000_s22708" name="Equation" r:id="rId10" imgW="1206500" imgH="241300" progId="Equation.3">
                   <p:embed/>
                 </p:oleObj>
               </mc:Choice>
@@ -17299,7 +17299,7 @@
             </a:pPr>
             <a:r>
               <a:rPr lang="en-US" dirty="0" err="1"/>
-              <a:t>Manutenibilidade</a:t>
+              <a:t>Mantenabilidade</a:t>
             </a:r>
             <a:endParaRPr lang="en-US" dirty="0"/>
           </a:p>
@@ -17612,146 +17612,6 @@
       </p:grpSpPr>
       <p:sp>
         <p:nvSpPr>
-          <p:cNvPr id="31" name="Retângulo 30"/>
-          <p:cNvSpPr/>
-          <p:nvPr/>
-        </p:nvSpPr>
-        <p:spPr>
-          <a:xfrm>
-            <a:off x="5283200" y="930394"/>
-            <a:ext cx="6572250" cy="4801314"/>
-          </a:xfrm>
-          <a:prstGeom prst="rect">
-            <a:avLst/>
-          </a:prstGeom>
-        </p:spPr>
-        <p:txBody>
-          <a:bodyPr wrap="square">
-            <a:spAutoFit/>
-          </a:bodyPr>
-          <a:lstStyle/>
-          <a:p>
-            <a:r>
-              <a:rPr lang="pt-BR" dirty="0"/>
-              <a:t>Dado a complexidade em separar os objetos originais. Para mapeá-los, podemos utilizar um conjunto de funções matemáticas, conhecido como </a:t>
-            </a:r>
-            <a:r>
-              <a:rPr lang="pt-BR" b="1" dirty="0" err="1">
-                <a:solidFill>
-                  <a:srgbClr val="2683C6"/>
-                </a:solidFill>
-              </a:rPr>
-              <a:t>Kernels</a:t>
-            </a:r>
-            <a:r>
-              <a:rPr lang="pt-BR" dirty="0"/>
-              <a:t>. Esse mapeamento é conhecido como o processo de reorganização dos objetos.</a:t>
-            </a:r>
-          </a:p>
-          <a:p>
-            <a:endParaRPr lang="pt-BR" dirty="0"/>
-          </a:p>
-          <a:p>
-            <a:endParaRPr lang="pt-BR" dirty="0"/>
-          </a:p>
-          <a:p>
-            <a:endParaRPr lang="pt-BR" dirty="0"/>
-          </a:p>
-          <a:p>
-            <a:endParaRPr lang="pt-BR" dirty="0"/>
-          </a:p>
-          <a:p>
-            <a:endParaRPr lang="pt-BR" dirty="0"/>
-          </a:p>
-          <a:p>
-            <a:endParaRPr lang="pt-BR" dirty="0"/>
-          </a:p>
-          <a:p>
-            <a:endParaRPr lang="pt-BR" dirty="0"/>
-          </a:p>
-          <a:p>
-            <a:endParaRPr lang="pt-BR" dirty="0"/>
-          </a:p>
-          <a:p>
-            <a:endParaRPr lang="pt-BR" dirty="0"/>
-          </a:p>
-          <a:p>
-            <a:r>
-              <a:rPr lang="pt-BR" dirty="0"/>
-              <a:t>Observa-se que há uma separação linear dos objetos. Assim, ao invés de construir uma curva complexa, como no esquema à esquerda; o SVM propõe, nesse caso, essa linha ótima capaz de separar os pontos azuis dos laranjas.</a:t>
-            </a:r>
-          </a:p>
-        </p:txBody>
-      </p:sp>
-      <p:sp>
-        <p:nvSpPr>
-          <p:cNvPr id="28" name="Retângulo 27"/>
-          <p:cNvSpPr/>
-          <p:nvPr/>
-        </p:nvSpPr>
-        <p:spPr>
-          <a:xfrm>
-            <a:off x="336001" y="930394"/>
-            <a:ext cx="3959774" cy="5078313"/>
-          </a:xfrm>
-          <a:prstGeom prst="rect">
-            <a:avLst/>
-          </a:prstGeom>
-        </p:spPr>
-        <p:txBody>
-          <a:bodyPr wrap="square">
-            <a:spAutoFit/>
-          </a:bodyPr>
-          <a:lstStyle/>
-          <a:p>
-            <a:r>
-              <a:rPr lang="pt-BR" dirty="0"/>
-              <a:t>No entanto, problemas de classificação costumam ser mais elaborados, sendo necessário realizar a separação ótima por meio de estruturas mais complexas. </a:t>
-            </a:r>
-          </a:p>
-          <a:p>
-            <a:endParaRPr lang="pt-BR" dirty="0"/>
-          </a:p>
-          <a:p>
-            <a:endParaRPr lang="pt-BR" dirty="0"/>
-          </a:p>
-          <a:p>
-            <a:endParaRPr lang="pt-BR" dirty="0"/>
-          </a:p>
-          <a:p>
-            <a:endParaRPr lang="pt-BR" dirty="0"/>
-          </a:p>
-          <a:p>
-            <a:endParaRPr lang="pt-BR" dirty="0"/>
-          </a:p>
-          <a:p>
-            <a:endParaRPr lang="pt-BR" dirty="0"/>
-          </a:p>
-          <a:p>
-            <a:endParaRPr lang="pt-BR" dirty="0"/>
-          </a:p>
-          <a:p>
-            <a:endParaRPr lang="pt-BR" dirty="0"/>
-          </a:p>
-          <a:p>
-            <a:endParaRPr lang="pt-BR" dirty="0"/>
-          </a:p>
-          <a:p>
-            <a:r>
-              <a:rPr lang="pt-BR" dirty="0"/>
-              <a:t>O SVM propõe a classificação de novos objetos (teste) com base em dados disponíveis (treinamento). </a:t>
-            </a:r>
-          </a:p>
-          <a:p>
-            <a:r>
-              <a:rPr lang="pt-BR" dirty="0"/>
-              <a:t>A separação nesse caso ocorreria com a utilização de uma curva.</a:t>
-            </a:r>
-          </a:p>
-        </p:txBody>
-      </p:sp>
-      <p:sp>
-        <p:nvSpPr>
           <p:cNvPr id="2" name="Título 1"/>
           <p:cNvSpPr txBox="1">
             <a:spLocks/>
@@ -17823,7 +17683,7 @@
                 <a:ea typeface="+mj-ea"/>
                 <a:cs typeface="+mj-cs"/>
               </a:rPr>
-              <a:t>O que é SVM</a:t>
+              <a:t>Estilos arquiteturais</a:t>
             </a:r>
           </a:p>
         </p:txBody>
@@ -18032,42 +17892,15 @@
               <a:defRPr/>
             </a:pPr>
             <a:r>
-              <a:rPr kumimoji="0" lang="pt-BR" sz="3000" b="1" i="0" u="none" strike="noStrike" kern="1200" cap="none" spc="0" normalizeH="0" baseline="0" noProof="0" dirty="0">
-                <a:ln>
-                  <a:noFill/>
-                </a:ln>
+              <a:rPr lang="pt-BR" dirty="0">
                 <a:solidFill>
                   <a:schemeClr val="accent2">
                     <a:lumMod val="75000"/>
                   </a:schemeClr>
                 </a:solidFill>
-                <a:effectLst/>
-                <a:uLnTx/>
-                <a:uFillTx/>
                 <a:latin typeface="Itau Display"/>
-                <a:ea typeface="+mn-ea"/>
-                <a:cs typeface="+mn-cs"/>
               </a:rPr>
-              <a:t>Simplificando ...</a:t>
-            </a:r>
-            <a:r>
-              <a:rPr kumimoji="0" lang="pt-BR" sz="3000" b="1" i="0" u="none" strike="noStrike" kern="1200" cap="none" spc="0" normalizeH="0" noProof="0" dirty="0">
-                <a:ln>
-                  <a:noFill/>
-                </a:ln>
-                <a:solidFill>
-                  <a:schemeClr val="accent2">
-                    <a:lumMod val="75000"/>
-                  </a:schemeClr>
-                </a:solidFill>
-                <a:effectLst/>
-                <a:uLnTx/>
-                <a:uFillTx/>
-                <a:latin typeface="Itau Display"/>
-                <a:ea typeface="+mn-ea"/>
-                <a:cs typeface="+mn-cs"/>
-              </a:rPr>
-              <a:t> #classificação</a:t>
+              <a:t>Estilos arquiteturais: Orquestração e Coreografia</a:t>
             </a:r>
             <a:endParaRPr kumimoji="0" lang="pt-BR" sz="3000" b="1" i="0" u="none" strike="noStrike" kern="1200" cap="none" spc="0" normalizeH="0" baseline="0" noProof="0" dirty="0">
               <a:ln>
@@ -18090,9 +17923,15 @@
       </p:sp>
       <p:pic>
         <p:nvPicPr>
-          <p:cNvPr id="25" name="Picture 4" descr="https://lamfo-unb.github.io/img/svm/svm2.jpeg"/>
+          <p:cNvPr id="9" name="Picture 8">
+            <a:extLst>
+              <a:ext uri="{FF2B5EF4-FFF2-40B4-BE49-F238E27FC236}">
+                <a16:creationId xmlns:a16="http://schemas.microsoft.com/office/drawing/2014/main" id="{600A20C8-12F5-B048-AE3D-E67BE623967A}"/>
+              </a:ext>
+            </a:extLst>
+          </p:cNvPr>
           <p:cNvPicPr>
-            <a:picLocks noChangeAspect="1" noChangeArrowheads="1"/>
+            <a:picLocks noChangeAspect="1"/>
           </p:cNvPicPr>
           <p:nvPr/>
         </p:nvPicPr>
@@ -18104,36 +17943,31 @@
               </a:ext>
             </a:extLst>
           </a:blip>
-          <a:srcRect/>
           <a:stretch>
             <a:fillRect/>
           </a:stretch>
         </p:blipFill>
-        <p:spPr bwMode="auto">
+        <p:spPr>
           <a:xfrm>
-            <a:off x="969963" y="2362622"/>
-            <a:ext cx="2466975" cy="1819276"/>
+            <a:off x="730836" y="1923604"/>
+            <a:ext cx="3949700" cy="2108200"/>
           </a:xfrm>
           <a:prstGeom prst="rect">
             <a:avLst/>
           </a:prstGeom>
-          <a:noFill/>
-          <a:extLst>
-            <a:ext uri="{909E8E84-426E-40DD-AFC4-6F175D3DCCD1}">
-              <a14:hiddenFill xmlns:a14="http://schemas.microsoft.com/office/drawing/2010/main">
-                <a:solidFill>
-                  <a:srgbClr val="FFFFFF"/>
-                </a:solidFill>
-              </a14:hiddenFill>
-            </a:ext>
-          </a:extLst>
         </p:spPr>
       </p:pic>
       <p:pic>
         <p:nvPicPr>
-          <p:cNvPr id="26" name="Picture 6" descr="https://lamfo-unb.github.io/img/svm/svm3.jpeg"/>
+          <p:cNvPr id="11" name="Picture 10">
+            <a:extLst>
+              <a:ext uri="{FF2B5EF4-FFF2-40B4-BE49-F238E27FC236}">
+                <a16:creationId xmlns:a16="http://schemas.microsoft.com/office/drawing/2014/main" id="{55FD3DEB-EBB4-404E-85E8-37D2427FE41C}"/>
+              </a:ext>
+            </a:extLst>
+          </p:cNvPr>
           <p:cNvPicPr>
-            <a:picLocks noChangeAspect="1" noChangeArrowheads="1"/>
+            <a:picLocks noChangeAspect="1"/>
           </p:cNvPicPr>
           <p:nvPr/>
         </p:nvPicPr>
@@ -18145,31 +17979,463 @@
               </a:ext>
             </a:extLst>
           </a:blip>
-          <a:srcRect/>
           <a:stretch>
             <a:fillRect/>
           </a:stretch>
         </p:blipFill>
-        <p:spPr bwMode="auto">
+        <p:spPr>
           <a:xfrm>
-            <a:off x="5283200" y="2362622"/>
-            <a:ext cx="6667500" cy="1819276"/>
+            <a:off x="5688037" y="1860104"/>
+            <a:ext cx="5245100" cy="2171700"/>
+          </a:xfrm>
+          <a:prstGeom prst="rect">
+            <a:avLst/>
+          </a:prstGeom>
+        </p:spPr>
+      </p:pic>
+      <p:sp>
+        <p:nvSpPr>
+          <p:cNvPr id="13" name="Rectangle 12">
+            <a:extLst>
+              <a:ext uri="{FF2B5EF4-FFF2-40B4-BE49-F238E27FC236}">
+                <a16:creationId xmlns:a16="http://schemas.microsoft.com/office/drawing/2014/main" id="{92A474C5-507F-E04D-929F-5850F29489FC}"/>
+              </a:ext>
+            </a:extLst>
+          </p:cNvPr>
+          <p:cNvSpPr/>
+          <p:nvPr/>
+        </p:nvSpPr>
+        <p:spPr>
+          <a:xfrm>
+            <a:off x="534572" y="1266092"/>
+            <a:ext cx="4656406" cy="4304714"/>
           </a:xfrm>
           <a:prstGeom prst="rect">
             <a:avLst/>
           </a:prstGeom>
           <a:noFill/>
-          <a:extLst>
-            <a:ext uri="{909E8E84-426E-40DD-AFC4-6F175D3DCCD1}">
-              <a14:hiddenFill xmlns:a14="http://schemas.microsoft.com/office/drawing/2010/main">
-                <a:solidFill>
-                  <a:srgbClr val="FFFFFF"/>
-                </a:solidFill>
-              </a14:hiddenFill>
-            </a:ext>
-          </a:extLst>
+          <a:ln w="38100">
+            <a:solidFill>
+              <a:schemeClr val="tx1"/>
+            </a:solidFill>
+          </a:ln>
         </p:spPr>
-      </p:pic>
+        <p:style>
+          <a:lnRef idx="2">
+            <a:schemeClr val="accent1">
+              <a:shade val="50000"/>
+            </a:schemeClr>
+          </a:lnRef>
+          <a:fillRef idx="1">
+            <a:schemeClr val="accent1"/>
+          </a:fillRef>
+          <a:effectRef idx="0">
+            <a:schemeClr val="accent1"/>
+          </a:effectRef>
+          <a:fontRef idx="minor">
+            <a:schemeClr val="lt1"/>
+          </a:fontRef>
+        </p:style>
+        <p:txBody>
+          <a:bodyPr rtlCol="0" anchor="ctr"/>
+          <a:lstStyle/>
+          <a:p>
+            <a:pPr algn="ctr"/>
+            <a:endParaRPr lang="en-US"/>
+          </a:p>
+        </p:txBody>
+      </p:sp>
+      <p:sp>
+        <p:nvSpPr>
+          <p:cNvPr id="18" name="Rectangle 17">
+            <a:extLst>
+              <a:ext uri="{FF2B5EF4-FFF2-40B4-BE49-F238E27FC236}">
+                <a16:creationId xmlns:a16="http://schemas.microsoft.com/office/drawing/2014/main" id="{270B3253-9B20-3F4D-BFE4-6CC988153CC1}"/>
+              </a:ext>
+            </a:extLst>
+          </p:cNvPr>
+          <p:cNvSpPr/>
+          <p:nvPr/>
+        </p:nvSpPr>
+        <p:spPr>
+          <a:xfrm>
+            <a:off x="5387242" y="1266092"/>
+            <a:ext cx="5866911" cy="4304714"/>
+          </a:xfrm>
+          <a:prstGeom prst="rect">
+            <a:avLst/>
+          </a:prstGeom>
+          <a:noFill/>
+          <a:ln w="38100">
+            <a:solidFill>
+              <a:schemeClr val="tx1"/>
+            </a:solidFill>
+          </a:ln>
+        </p:spPr>
+        <p:style>
+          <a:lnRef idx="2">
+            <a:schemeClr val="accent1">
+              <a:shade val="50000"/>
+            </a:schemeClr>
+          </a:lnRef>
+          <a:fillRef idx="1">
+            <a:schemeClr val="accent1"/>
+          </a:fillRef>
+          <a:effectRef idx="0">
+            <a:schemeClr val="accent1"/>
+          </a:effectRef>
+          <a:fontRef idx="minor">
+            <a:schemeClr val="lt1"/>
+          </a:fontRef>
+        </p:style>
+        <p:txBody>
+          <a:bodyPr rtlCol="0" anchor="ctr"/>
+          <a:lstStyle/>
+          <a:p>
+            <a:pPr algn="ctr"/>
+            <a:endParaRPr lang="en-US"/>
+          </a:p>
+        </p:txBody>
+      </p:sp>
+      <p:sp>
+        <p:nvSpPr>
+          <p:cNvPr id="14" name="TextBox 13">
+            <a:extLst>
+              <a:ext uri="{FF2B5EF4-FFF2-40B4-BE49-F238E27FC236}">
+                <a16:creationId xmlns:a16="http://schemas.microsoft.com/office/drawing/2014/main" id="{18D8941B-F7CD-3747-A947-A4BB19D340B2}"/>
+              </a:ext>
+            </a:extLst>
+          </p:cNvPr>
+          <p:cNvSpPr txBox="1"/>
+          <p:nvPr/>
+        </p:nvSpPr>
+        <p:spPr>
+          <a:xfrm>
+            <a:off x="984738" y="1448972"/>
+            <a:ext cx="3695798" cy="369332"/>
+          </a:xfrm>
+          <a:prstGeom prst="rect">
+            <a:avLst/>
+          </a:prstGeom>
+          <a:noFill/>
+        </p:spPr>
+        <p:txBody>
+          <a:bodyPr wrap="square" rtlCol="0">
+            <a:spAutoFit/>
+          </a:bodyPr>
+          <a:lstStyle/>
+          <a:p>
+            <a:pPr algn="ctr"/>
+            <a:r>
+              <a:rPr lang="en-US" b="1" dirty="0" err="1"/>
+              <a:t>Orquestração</a:t>
+            </a:r>
+            <a:endParaRPr lang="en-US" b="1" dirty="0"/>
+          </a:p>
+        </p:txBody>
+      </p:sp>
+      <p:sp>
+        <p:nvSpPr>
+          <p:cNvPr id="20" name="TextBox 19">
+            <a:extLst>
+              <a:ext uri="{FF2B5EF4-FFF2-40B4-BE49-F238E27FC236}">
+                <a16:creationId xmlns:a16="http://schemas.microsoft.com/office/drawing/2014/main" id="{321EA947-8D1E-5543-B23D-37DC8766BB7B}"/>
+              </a:ext>
+            </a:extLst>
+          </p:cNvPr>
+          <p:cNvSpPr txBox="1"/>
+          <p:nvPr/>
+        </p:nvSpPr>
+        <p:spPr>
+          <a:xfrm>
+            <a:off x="6462688" y="1448972"/>
+            <a:ext cx="3695798" cy="369332"/>
+          </a:xfrm>
+          <a:prstGeom prst="rect">
+            <a:avLst/>
+          </a:prstGeom>
+          <a:noFill/>
+        </p:spPr>
+        <p:txBody>
+          <a:bodyPr wrap="square" rtlCol="0">
+            <a:spAutoFit/>
+          </a:bodyPr>
+          <a:lstStyle/>
+          <a:p>
+            <a:pPr algn="ctr"/>
+            <a:r>
+              <a:rPr lang="en-US" b="1" dirty="0" err="1"/>
+              <a:t>Coreografia</a:t>
+            </a:r>
+            <a:endParaRPr lang="en-US" b="1" dirty="0"/>
+          </a:p>
+        </p:txBody>
+      </p:sp>
+      <p:sp>
+        <p:nvSpPr>
+          <p:cNvPr id="15" name="TextBox 14">
+            <a:extLst>
+              <a:ext uri="{FF2B5EF4-FFF2-40B4-BE49-F238E27FC236}">
+                <a16:creationId xmlns:a16="http://schemas.microsoft.com/office/drawing/2014/main" id="{7F305B58-C2C3-304B-B593-E718277CE566}"/>
+              </a:ext>
+            </a:extLst>
+          </p:cNvPr>
+          <p:cNvSpPr txBox="1"/>
+          <p:nvPr/>
+        </p:nvSpPr>
+        <p:spPr>
+          <a:xfrm>
+            <a:off x="6096000" y="4417255"/>
+            <a:ext cx="4356295" cy="369332"/>
+          </a:xfrm>
+          <a:prstGeom prst="rect">
+            <a:avLst/>
+          </a:prstGeom>
+          <a:noFill/>
+        </p:spPr>
+        <p:txBody>
+          <a:bodyPr wrap="square" rtlCol="0">
+            <a:spAutoFit/>
+          </a:bodyPr>
+          <a:lstStyle/>
+          <a:p>
+            <a:r>
+              <a:rPr lang="en-US" dirty="0"/>
+              <a:t>Smart endpoints and dumb pipes</a:t>
+            </a:r>
+          </a:p>
+        </p:txBody>
+      </p:sp>
+      <p:sp>
+        <p:nvSpPr>
+          <p:cNvPr id="16" name="TextBox 15">
+            <a:extLst>
+              <a:ext uri="{FF2B5EF4-FFF2-40B4-BE49-F238E27FC236}">
+                <a16:creationId xmlns:a16="http://schemas.microsoft.com/office/drawing/2014/main" id="{F9553B97-0340-9B40-84F9-32A0237A6A88}"/>
+              </a:ext>
+            </a:extLst>
+          </p:cNvPr>
+          <p:cNvSpPr txBox="1"/>
+          <p:nvPr/>
+        </p:nvSpPr>
+        <p:spPr>
+          <a:xfrm>
+            <a:off x="984738" y="4417255"/>
+            <a:ext cx="3695798" cy="738664"/>
+          </a:xfrm>
+          <a:prstGeom prst="rect">
+            <a:avLst/>
+          </a:prstGeom>
+          <a:noFill/>
+        </p:spPr>
+        <p:txBody>
+          <a:bodyPr wrap="square" rtlCol="0">
+            <a:spAutoFit/>
+          </a:bodyPr>
+          <a:lstStyle/>
+          <a:p>
+            <a:pPr algn="just"/>
+            <a:r>
+              <a:rPr lang="en-US" sz="1400" dirty="0"/>
+              <a:t>A </a:t>
+            </a:r>
+            <a:r>
+              <a:rPr lang="en-US" sz="1400" dirty="0" err="1"/>
+              <a:t>coordenação</a:t>
+            </a:r>
+            <a:r>
+              <a:rPr lang="en-US" sz="1400" dirty="0"/>
+              <a:t> dos </a:t>
+            </a:r>
+            <a:r>
+              <a:rPr lang="en-US" sz="1400" dirty="0" err="1"/>
+              <a:t>múltiplos</a:t>
+            </a:r>
+            <a:r>
+              <a:rPr lang="en-US" sz="1400" dirty="0"/>
+              <a:t> </a:t>
+            </a:r>
+            <a:r>
+              <a:rPr lang="en-US" sz="1400" dirty="0" err="1"/>
+              <a:t>serviços</a:t>
+            </a:r>
+            <a:r>
+              <a:rPr lang="en-US" sz="1400" dirty="0"/>
+              <a:t> </a:t>
+            </a:r>
+            <a:r>
+              <a:rPr lang="en-US" sz="1400" dirty="0" err="1"/>
+              <a:t>é</a:t>
+            </a:r>
+            <a:r>
+              <a:rPr lang="en-US" sz="1400" dirty="0"/>
+              <a:t> </a:t>
+            </a:r>
+            <a:r>
+              <a:rPr lang="en-US" sz="1400" dirty="0" err="1"/>
+              <a:t>feito</a:t>
+            </a:r>
+            <a:r>
+              <a:rPr lang="en-US" sz="1400" dirty="0"/>
+              <a:t> </a:t>
+            </a:r>
+            <a:r>
+              <a:rPr lang="en-US" sz="1400" dirty="0" err="1"/>
+              <a:t>através</a:t>
+            </a:r>
+            <a:r>
+              <a:rPr lang="en-US" sz="1400" dirty="0"/>
+              <a:t> de um </a:t>
+            </a:r>
+            <a:r>
+              <a:rPr lang="en-US" sz="1400" dirty="0" err="1"/>
+              <a:t>mediador</a:t>
+            </a:r>
+            <a:r>
+              <a:rPr lang="en-US" sz="1400" dirty="0"/>
+              <a:t> central </a:t>
+            </a:r>
+            <a:r>
+              <a:rPr lang="en-US" sz="1400" dirty="0" err="1"/>
+              <a:t>ou</a:t>
+            </a:r>
+            <a:r>
+              <a:rPr lang="en-US" sz="1400" dirty="0"/>
+              <a:t> um </a:t>
+            </a:r>
+            <a:r>
+              <a:rPr lang="en-US" sz="1400" i="1" dirty="0"/>
+              <a:t>hub</a:t>
+            </a:r>
+            <a:r>
+              <a:rPr lang="en-US" sz="1400" dirty="0"/>
+              <a:t> </a:t>
+            </a:r>
+            <a:r>
+              <a:rPr lang="en-US" sz="1400" dirty="0" err="1"/>
+              <a:t>integrador</a:t>
+            </a:r>
+            <a:r>
+              <a:rPr lang="en-US" sz="1400" dirty="0"/>
+              <a:t> (Mule, Camel, Sprint Integration etc.)</a:t>
+            </a:r>
+          </a:p>
+        </p:txBody>
+      </p:sp>
+      <p:sp>
+        <p:nvSpPr>
+          <p:cNvPr id="17" name="TextBox 16">
+            <a:extLst>
+              <a:ext uri="{FF2B5EF4-FFF2-40B4-BE49-F238E27FC236}">
+                <a16:creationId xmlns:a16="http://schemas.microsoft.com/office/drawing/2014/main" id="{C88ACE21-551E-0C41-A61B-DFEC2BB65116}"/>
+              </a:ext>
+            </a:extLst>
+          </p:cNvPr>
+          <p:cNvSpPr txBox="1"/>
+          <p:nvPr/>
+        </p:nvSpPr>
+        <p:spPr>
+          <a:xfrm>
+            <a:off x="4680536" y="1923604"/>
+            <a:ext cx="299427" cy="369332"/>
+          </a:xfrm>
+          <a:prstGeom prst="rect">
+            <a:avLst/>
+          </a:prstGeom>
+          <a:noFill/>
+        </p:spPr>
+        <p:txBody>
+          <a:bodyPr wrap="square" rtlCol="0">
+            <a:spAutoFit/>
+          </a:bodyPr>
+          <a:lstStyle/>
+          <a:p>
+            <a:r>
+              <a:rPr lang="en-US" b="1" dirty="0"/>
+              <a:t>*</a:t>
+            </a:r>
+          </a:p>
+        </p:txBody>
+      </p:sp>
+      <p:sp>
+        <p:nvSpPr>
+          <p:cNvPr id="24" name="TextBox 23">
+            <a:extLst>
+              <a:ext uri="{FF2B5EF4-FFF2-40B4-BE49-F238E27FC236}">
+                <a16:creationId xmlns:a16="http://schemas.microsoft.com/office/drawing/2014/main" id="{716FF3E2-9804-AA4E-81B3-06CEAD0679A2}"/>
+              </a:ext>
+            </a:extLst>
+          </p:cNvPr>
+          <p:cNvSpPr txBox="1"/>
+          <p:nvPr/>
+        </p:nvSpPr>
+        <p:spPr>
+          <a:xfrm>
+            <a:off x="10933137" y="1923604"/>
+            <a:ext cx="299427" cy="369332"/>
+          </a:xfrm>
+          <a:prstGeom prst="rect">
+            <a:avLst/>
+          </a:prstGeom>
+          <a:noFill/>
+        </p:spPr>
+        <p:txBody>
+          <a:bodyPr wrap="square" rtlCol="0">
+            <a:spAutoFit/>
+          </a:bodyPr>
+          <a:lstStyle/>
+          <a:p>
+            <a:r>
+              <a:rPr lang="en-US" b="1" dirty="0"/>
+              <a:t>*</a:t>
+            </a:r>
+          </a:p>
+        </p:txBody>
+      </p:sp>
+      <p:sp>
+        <p:nvSpPr>
+          <p:cNvPr id="27" name="TextBox 26">
+            <a:extLst>
+              <a:ext uri="{FF2B5EF4-FFF2-40B4-BE49-F238E27FC236}">
+                <a16:creationId xmlns:a16="http://schemas.microsoft.com/office/drawing/2014/main" id="{704D8E63-C560-F94E-9387-04F1D2FECC5A}"/>
+              </a:ext>
+            </a:extLst>
+          </p:cNvPr>
+          <p:cNvSpPr txBox="1"/>
+          <p:nvPr/>
+        </p:nvSpPr>
+        <p:spPr>
+          <a:xfrm>
+            <a:off x="534572" y="5895771"/>
+            <a:ext cx="4656406" cy="369332"/>
+          </a:xfrm>
+          <a:prstGeom prst="rect">
+            <a:avLst/>
+          </a:prstGeom>
+          <a:noFill/>
+        </p:spPr>
+        <p:txBody>
+          <a:bodyPr wrap="square" rtlCol="0">
+            <a:spAutoFit/>
+          </a:bodyPr>
+          <a:lstStyle/>
+          <a:p>
+            <a:r>
+              <a:rPr lang="en-US" b="1" dirty="0"/>
+              <a:t>* </a:t>
+            </a:r>
+            <a:r>
+              <a:rPr lang="en-US" dirty="0"/>
+              <a:t>Fonte: </a:t>
+            </a:r>
+            <a:r>
+              <a:rPr lang="pt-BR" dirty="0"/>
+              <a:t>Newman, S. (2015)</a:t>
+            </a:r>
+            <a:endParaRPr lang="en-US" b="1" dirty="0"/>
+          </a:p>
+        </p:txBody>
+      </p:sp>
     </p:spTree>
     <p:extLst>
       <p:ext uri="{BB962C8B-B14F-4D97-AF65-F5344CB8AC3E}">
@@ -18273,7 +18539,7 @@
                 <a:ea typeface="+mj-ea"/>
                 <a:cs typeface="+mj-cs"/>
               </a:rPr>
-              <a:t>O que é SVM</a:t>
+              <a:t>Objetivo</a:t>
             </a:r>
           </a:p>
         </p:txBody>
@@ -18498,270 +18764,8 @@
                 <a:ea typeface="+mn-ea"/>
                 <a:cs typeface="+mn-cs"/>
               </a:rPr>
-              <a:t>Simplificando ... #regressão</a:t>
-            </a:r>
-          </a:p>
-        </p:txBody>
-      </p:sp>
-      <p:pic>
-        <p:nvPicPr>
-          <p:cNvPr id="14338" name="Picture 2" descr="Jana_4"/>
-          <p:cNvPicPr>
-            <a:picLocks noChangeAspect="1" noChangeArrowheads="1"/>
-          </p:cNvPicPr>
-          <p:nvPr/>
-        </p:nvPicPr>
-        <p:blipFill>
-          <a:blip r:embed="rId2">
-            <a:extLst>
-              <a:ext uri="{28A0092B-C50C-407E-A947-70E740481C1C}">
-                <a14:useLocalDpi xmlns:a14="http://schemas.microsoft.com/office/drawing/2010/main" val="0"/>
-              </a:ext>
-            </a:extLst>
-          </a:blip>
-          <a:srcRect/>
-          <a:stretch>
-            <a:fillRect/>
-          </a:stretch>
-        </p:blipFill>
-        <p:spPr bwMode="auto">
-          <a:xfrm>
-            <a:off x="336000" y="3524261"/>
-            <a:ext cx="7038975" cy="2800351"/>
-          </a:xfrm>
-          <a:prstGeom prst="rect">
-            <a:avLst/>
-          </a:prstGeom>
-          <a:noFill/>
-          <a:extLst>
-            <a:ext uri="{909E8E84-426E-40DD-AFC4-6F175D3DCCD1}">
-              <a14:hiddenFill xmlns:a14="http://schemas.microsoft.com/office/drawing/2010/main">
-                <a:solidFill>
-                  <a:srgbClr val="FFFFFF"/>
-                </a:solidFill>
-              </a14:hiddenFill>
-            </a:ext>
-          </a:extLst>
-        </p:spPr>
-      </p:pic>
-      <p:sp>
-        <p:nvSpPr>
-          <p:cNvPr id="5" name="Retângulo 4"/>
-          <p:cNvSpPr/>
-          <p:nvPr/>
-        </p:nvSpPr>
-        <p:spPr>
-          <a:xfrm>
-            <a:off x="336000" y="955785"/>
-            <a:ext cx="7179225" cy="2616101"/>
-          </a:xfrm>
-          <a:prstGeom prst="rect">
-            <a:avLst/>
-          </a:prstGeom>
-        </p:spPr>
-        <p:txBody>
-          <a:bodyPr wrap="square">
-            <a:spAutoFit/>
-          </a:bodyPr>
-          <a:lstStyle/>
-          <a:p>
-            <a:r>
-              <a:rPr lang="pt-BR" sz="1600" dirty="0"/>
-              <a:t>E se quisermos uma solução numérica ? Por exemplo, se determinar a probabilidade de um usuário de volta para o seu site, se queremos para prever o número de cliques no futuro, ou o quanto as impressões de anúncios tem. Neste caso, estamos em um problema de </a:t>
-            </a:r>
-            <a:r>
-              <a:rPr lang="pt-BR" sz="1600" b="1" dirty="0">
-                <a:solidFill>
-                  <a:srgbClr val="2683C6"/>
-                </a:solidFill>
-              </a:rPr>
-              <a:t>regressão</a:t>
-            </a:r>
-            <a:r>
-              <a:rPr lang="pt-BR" sz="1600" dirty="0"/>
-              <a:t> .</a:t>
-            </a:r>
-          </a:p>
-          <a:p>
-            <a:endParaRPr lang="pt-BR" sz="800" dirty="0"/>
-          </a:p>
-          <a:p>
-            <a:r>
-              <a:rPr lang="pt-BR" i="1" dirty="0"/>
-              <a:t>A regressão é baseada em encontrar a curva que modela a tendência de dados  e, de acordo com ela, prever qualquer outra informação no futuro.</a:t>
-            </a:r>
-          </a:p>
-          <a:p>
-            <a:endParaRPr lang="pt-BR" sz="800" dirty="0"/>
-          </a:p>
-          <a:p>
-            <a:r>
-              <a:rPr lang="pt-BR" sz="1600" dirty="0"/>
-              <a:t>Por exemplo, se você tem um caso simples como este, onde a probabilidade de clicar em um anúncio específico dependia apenas da idade do usuário, definimos (sempre minimizar o erro, como garantia SVM) uma linha de tendência:</a:t>
-            </a:r>
-          </a:p>
-        </p:txBody>
-      </p:sp>
-      <p:pic>
-        <p:nvPicPr>
-          <p:cNvPr id="14340" name="Picture 4" descr="Jana_5"/>
-          <p:cNvPicPr>
-            <a:picLocks noChangeAspect="1" noChangeArrowheads="1"/>
-          </p:cNvPicPr>
-          <p:nvPr/>
-        </p:nvPicPr>
-        <p:blipFill rotWithShape="1">
-          <a:blip r:embed="rId3" cstate="print">
-            <a:extLst>
-              <a:ext uri="{28A0092B-C50C-407E-A947-70E740481C1C}">
-                <a14:useLocalDpi xmlns:a14="http://schemas.microsoft.com/office/drawing/2010/main" val="0"/>
-              </a:ext>
-            </a:extLst>
-          </a:blip>
-          <a:srcRect/>
-          <a:stretch/>
-        </p:blipFill>
-        <p:spPr bwMode="auto">
-          <a:xfrm>
-            <a:off x="8401051" y="3533787"/>
-            <a:ext cx="3295650" cy="2790825"/>
-          </a:xfrm>
-          <a:prstGeom prst="rect">
-            <a:avLst/>
-          </a:prstGeom>
-          <a:noFill/>
-          <a:extLst>
-            <a:ext uri="{909E8E84-426E-40DD-AFC4-6F175D3DCCD1}">
-              <a14:hiddenFill xmlns:a14="http://schemas.microsoft.com/office/drawing/2010/main">
-                <a:solidFill>
-                  <a:srgbClr val="FFFFFF"/>
-                </a:solidFill>
-              </a14:hiddenFill>
-            </a:ext>
-          </a:extLst>
-        </p:spPr>
-      </p:pic>
-      <p:sp>
-        <p:nvSpPr>
-          <p:cNvPr id="8" name="Retângulo 7"/>
-          <p:cNvSpPr/>
-          <p:nvPr/>
-        </p:nvSpPr>
-        <p:spPr>
-          <a:xfrm>
-            <a:off x="7915275" y="-1"/>
-            <a:ext cx="4276725" cy="6334125"/>
-          </a:xfrm>
-          <a:prstGeom prst="rect">
-            <a:avLst/>
-          </a:prstGeom>
-          <a:solidFill>
-            <a:srgbClr val="2683C6">
-              <a:alpha val="20000"/>
-            </a:srgbClr>
-          </a:solidFill>
-          <a:ln>
-            <a:noFill/>
-          </a:ln>
-        </p:spPr>
-        <p:style>
-          <a:lnRef idx="2">
-            <a:schemeClr val="accent1">
-              <a:shade val="50000"/>
-            </a:schemeClr>
-          </a:lnRef>
-          <a:fillRef idx="1">
-            <a:schemeClr val="accent1"/>
-          </a:fillRef>
-          <a:effectRef idx="0">
-            <a:schemeClr val="accent1"/>
-          </a:effectRef>
-          <a:fontRef idx="minor">
-            <a:schemeClr val="lt1"/>
-          </a:fontRef>
-        </p:style>
-        <p:txBody>
-          <a:bodyPr rtlCol="0" anchor="ctr"/>
-          <a:lstStyle/>
-          <a:p>
-            <a:pPr algn="ctr"/>
-            <a:endParaRPr lang="pt-BR"/>
-          </a:p>
-        </p:txBody>
-      </p:sp>
-      <p:sp>
-        <p:nvSpPr>
-          <p:cNvPr id="7" name="Retângulo 6"/>
-          <p:cNvSpPr/>
-          <p:nvPr/>
-        </p:nvSpPr>
-        <p:spPr>
-          <a:xfrm>
-            <a:off x="8353426" y="955785"/>
-            <a:ext cx="3454399" cy="923330"/>
-          </a:xfrm>
-          <a:prstGeom prst="rect">
-            <a:avLst/>
-          </a:prstGeom>
-        </p:spPr>
-        <p:txBody>
-          <a:bodyPr wrap="square">
-            <a:spAutoFit/>
-          </a:bodyPr>
-          <a:lstStyle/>
-          <a:p>
-            <a:r>
-              <a:rPr lang="pt-BR" dirty="0"/>
-              <a:t>Para que possamos encontrar a resposta (neste exemplo, a probabilidade) para um novo caso:</a:t>
-            </a:r>
-          </a:p>
-        </p:txBody>
-      </p:sp>
-      <p:sp>
-        <p:nvSpPr>
-          <p:cNvPr id="9" name="Seta para Baixo 8"/>
-          <p:cNvSpPr/>
-          <p:nvPr/>
-        </p:nvSpPr>
-        <p:spPr>
-          <a:xfrm>
-            <a:off x="9586912" y="2302455"/>
-            <a:ext cx="933450" cy="1185687"/>
-          </a:xfrm>
-          <a:prstGeom prst="downArrow">
-            <a:avLst/>
-          </a:prstGeom>
-          <a:solidFill>
-            <a:schemeClr val="bg1">
-              <a:lumMod val="95000"/>
-            </a:schemeClr>
-          </a:solidFill>
-          <a:ln>
-            <a:noFill/>
-          </a:ln>
-        </p:spPr>
-        <p:style>
-          <a:lnRef idx="2">
-            <a:schemeClr val="accent1">
-              <a:shade val="50000"/>
-            </a:schemeClr>
-          </a:lnRef>
-          <a:fillRef idx="1">
-            <a:schemeClr val="accent1"/>
-          </a:fillRef>
-          <a:effectRef idx="0">
-            <a:schemeClr val="accent1"/>
-          </a:effectRef>
-          <a:fontRef idx="minor">
-            <a:schemeClr val="lt1"/>
-          </a:fontRef>
-        </p:style>
-        <p:txBody>
-          <a:bodyPr rtlCol="0" anchor="ctr"/>
-          <a:lstStyle/>
-          <a:p>
-            <a:pPr algn="ctr"/>
-            <a:endParaRPr lang="pt-BR"/>
+              <a:t>Pesquisa exploratória</a:t>
+            </a:r>
           </a:p>
         </p:txBody>
       </p:sp>

--- a/article-presentation/Artigo.pptx
+++ b/article-presentation/Artigo.pptx
@@ -349,7 +349,7 @@
           <a:p>
             <a:fld id="{96DFF08F-DC6B-4601-B491-B0F83F6DD2DA}" type="datetimeFigureOut">
               <a:rPr lang="en-US" dirty="0"/>
-              <a:t>11/11/18</a:t>
+              <a:t>11/12/18</a:t>
             </a:fld>
             <a:endParaRPr lang="en-US" dirty="0"/>
           </a:p>
@@ -552,7 +552,7 @@
           <a:p>
             <a:fld id="{96DFF08F-DC6B-4601-B491-B0F83F6DD2DA}" type="datetimeFigureOut">
               <a:rPr lang="en-US" dirty="0"/>
-              <a:t>11/11/18</a:t>
+              <a:t>11/12/18</a:t>
             </a:fld>
             <a:endParaRPr lang="en-US" dirty="0"/>
           </a:p>
@@ -803,7 +803,7 @@
           <a:p>
             <a:fld id="{96DFF08F-DC6B-4601-B491-B0F83F6DD2DA}" type="datetimeFigureOut">
               <a:rPr lang="en-US" dirty="0"/>
-              <a:t>11/11/18</a:t>
+              <a:t>11/12/18</a:t>
             </a:fld>
             <a:endParaRPr lang="en-US" dirty="0"/>
           </a:p>
@@ -968,7 +968,7 @@
           <a:p>
             <a:fld id="{D62CEF3B-A037-46D0-B02C-1428F07E9383}" type="datetimeFigureOut">
               <a:rPr lang="en-US" dirty="0"/>
-              <a:t>11/11/18</a:t>
+              <a:t>11/12/18</a:t>
             </a:fld>
             <a:endParaRPr lang="en-US" dirty="0"/>
           </a:p>
@@ -1357,7 +1357,7 @@
           <a:p>
             <a:fld id="{96DFF08F-DC6B-4601-B491-B0F83F6DD2DA}" type="datetimeFigureOut">
               <a:rPr lang="en-US" dirty="0"/>
-              <a:t>11/11/18</a:t>
+              <a:t>11/12/18</a:t>
             </a:fld>
             <a:endParaRPr lang="en-US" dirty="0"/>
           </a:p>
@@ -1627,7 +1627,7 @@
           <a:p>
             <a:fld id="{96DFF08F-DC6B-4601-B491-B0F83F6DD2DA}" type="datetimeFigureOut">
               <a:rPr lang="en-US" dirty="0"/>
-              <a:t>11/11/18</a:t>
+              <a:t>11/12/18</a:t>
             </a:fld>
             <a:endParaRPr lang="en-US" dirty="0"/>
           </a:p>
@@ -2001,7 +2001,7 @@
           <a:p>
             <a:fld id="{96DFF08F-DC6B-4601-B491-B0F83F6DD2DA}" type="datetimeFigureOut">
               <a:rPr lang="en-US" dirty="0"/>
-              <a:t>11/11/18</a:t>
+              <a:t>11/12/18</a:t>
             </a:fld>
             <a:endParaRPr lang="en-US" dirty="0"/>
           </a:p>
@@ -2114,7 +2114,7 @@
           <a:p>
             <a:fld id="{96DFF08F-DC6B-4601-B491-B0F83F6DD2DA}" type="datetimeFigureOut">
               <a:rPr lang="en-US" dirty="0"/>
-              <a:t>11/11/18</a:t>
+              <a:t>11/12/18</a:t>
             </a:fld>
             <a:endParaRPr lang="en-US" dirty="0"/>
           </a:p>
@@ -2281,7 +2281,7 @@
             <a:fld id="{96DFF08F-DC6B-4601-B491-B0F83F6DD2DA}" type="datetimeFigureOut">
               <a:rPr lang="en-US" dirty="0"/>
               <a:pPr/>
-              <a:t>11/11/18</a:t>
+              <a:t>11/12/18</a:t>
             </a:fld>
             <a:endParaRPr lang="en-US" dirty="0"/>
           </a:p>
@@ -2632,7 +2632,7 @@
             <a:fld id="{96DFF08F-DC6B-4601-B491-B0F83F6DD2DA}" type="datetimeFigureOut">
               <a:rPr lang="en-US" dirty="0"/>
               <a:pPr/>
-              <a:t>11/11/18</a:t>
+              <a:t>11/12/18</a:t>
             </a:fld>
             <a:endParaRPr lang="en-US" dirty="0"/>
           </a:p>
@@ -3005,7 +3005,7 @@
           <a:p>
             <a:fld id="{96DFF08F-DC6B-4601-B491-B0F83F6DD2DA}" type="datetimeFigureOut">
               <a:rPr lang="en-US" dirty="0"/>
-              <a:t>11/11/18</a:t>
+              <a:t>11/12/18</a:t>
             </a:fld>
             <a:endParaRPr lang="en-US" dirty="0"/>
           </a:p>
@@ -3288,7 +3288,7 @@
             <a:fld id="{96DFF08F-DC6B-4601-B491-B0F83F6DD2DA}" type="datetimeFigureOut">
               <a:rPr lang="en-US" dirty="0"/>
               <a:pPr/>
-              <a:t>11/11/18</a:t>
+              <a:t>11/12/18</a:t>
             </a:fld>
             <a:endParaRPr lang="en-US" dirty="0"/>
           </a:p>
@@ -12680,7 +12680,7 @@
               <a:defRPr/>
             </a:pPr>
             <a:r>
-              <a:rPr kumimoji="0" lang="pt-BR" sz="3000" b="1" i="0" u="none" strike="noStrike" kern="1200" cap="none" spc="0" normalizeH="0" baseline="0" noProof="0" dirty="0" err="1">
+              <a:rPr kumimoji="0" lang="pt-BR" sz="3000" b="1" i="0" u="none" strike="noStrike" kern="1200" cap="none" spc="0" normalizeH="0" baseline="0" noProof="0" dirty="0">
                 <a:ln>
                   <a:noFill/>
                 </a:ln>
@@ -12696,69 +12696,11 @@
                 <a:ea typeface="+mn-ea"/>
                 <a:cs typeface="+mn-cs"/>
               </a:rPr>
-              <a:t>Reactive</a:t>
-            </a:r>
-            <a:r>
-              <a:rPr kumimoji="0" lang="pt-BR" sz="3000" b="1" i="0" u="none" strike="noStrike" kern="1200" cap="none" spc="0" normalizeH="0" baseline="0" noProof="0" dirty="0">
-                <a:ln>
-                  <a:noFill/>
-                </a:ln>
-                <a:solidFill>
-                  <a:schemeClr val="accent2">
-                    <a:lumMod val="75000"/>
-                  </a:schemeClr>
-                </a:solidFill>
-                <a:effectLst/>
-                <a:uLnTx/>
-                <a:uFillTx/>
-                <a:latin typeface="Itau Display"/>
-                <a:ea typeface="+mn-ea"/>
-                <a:cs typeface="+mn-cs"/>
-              </a:rPr>
-              <a:t> systems</a:t>
+              <a:t>MOM</a:t>
             </a:r>
           </a:p>
         </p:txBody>
       </p:sp>
-      <p:pic>
-        <p:nvPicPr>
-          <p:cNvPr id="22" name="Graphic 21">
-            <a:extLst>
-              <a:ext uri="{FF2B5EF4-FFF2-40B4-BE49-F238E27FC236}">
-                <a16:creationId xmlns:a16="http://schemas.microsoft.com/office/drawing/2014/main" id="{681F320E-0519-B94E-BFC0-0756929B4773}"/>
-              </a:ext>
-            </a:extLst>
-          </p:cNvPr>
-          <p:cNvPicPr>
-            <a:picLocks noChangeAspect="1"/>
-          </p:cNvPicPr>
-          <p:nvPr/>
-        </p:nvPicPr>
-        <p:blipFill>
-          <a:blip r:embed="rId2">
-            <a:extLst>
-              <a:ext uri="{28A0092B-C50C-407E-A947-70E740481C1C}">
-                <a14:useLocalDpi xmlns:a14="http://schemas.microsoft.com/office/drawing/2010/main" val="0"/>
-              </a:ext>
-              <a:ext uri="{96DAC541-7B7A-43D3-8B79-37D633B846F1}">
-                <asvg:svgBlip xmlns:asvg="http://schemas.microsoft.com/office/drawing/2016/SVG/main" r:embed="rId3"/>
-              </a:ext>
-            </a:extLst>
-          </a:blip>
-          <a:stretch>
-            <a:fillRect/>
-          </a:stretch>
-        </p:blipFill>
-        <p:spPr>
-          <a:xfrm>
-            <a:off x="862720" y="1347275"/>
-            <a:ext cx="7657149" cy="2633882"/>
-          </a:xfrm>
-          <a:prstGeom prst="rect">
-            <a:avLst/>
-          </a:prstGeom>
-        </p:spPr>
-      </p:pic>
       <p:sp>
         <p:nvSpPr>
           <p:cNvPr id="23" name="TextBox 22">
@@ -12865,7 +12807,7 @@
           <p:nvPr/>
         </p:nvPicPr>
         <p:blipFill>
-          <a:blip r:embed="rId4">
+          <a:blip r:embed="rId2">
             <a:extLst>
               <a:ext uri="{28A0092B-C50C-407E-A947-70E740481C1C}">
                 <a14:useLocalDpi xmlns:a14="http://schemas.microsoft.com/office/drawing/2010/main" val="0"/>
@@ -12901,7 +12843,7 @@
           <p:nvPr/>
         </p:nvPicPr>
         <p:blipFill>
-          <a:blip r:embed="rId5">
+          <a:blip r:embed="rId3">
             <a:extLst>
               <a:ext uri="{28A0092B-C50C-407E-A947-70E740481C1C}">
                 <a14:useLocalDpi xmlns:a14="http://schemas.microsoft.com/office/drawing/2010/main" val="0"/>
@@ -12937,7 +12879,7 @@
           <p:nvPr/>
         </p:nvPicPr>
         <p:blipFill>
-          <a:blip r:embed="rId6">
+          <a:blip r:embed="rId4">
             <a:extLst>
               <a:ext uri="{28A0092B-C50C-407E-A947-70E740481C1C}">
                 <a14:useLocalDpi xmlns:a14="http://schemas.microsoft.com/office/drawing/2010/main" val="0"/>
@@ -12973,13 +12915,13 @@
           <p:nvPr/>
         </p:nvPicPr>
         <p:blipFill>
-          <a:blip r:embed="rId7">
+          <a:blip r:embed="rId5">
             <a:extLst>
               <a:ext uri="{28A0092B-C50C-407E-A947-70E740481C1C}">
                 <a14:useLocalDpi xmlns:a14="http://schemas.microsoft.com/office/drawing/2010/main" val="0"/>
               </a:ext>
               <a:ext uri="{96DAC541-7B7A-43D3-8B79-37D633B846F1}">
-                <asvg:svgBlip xmlns:asvg="http://schemas.microsoft.com/office/drawing/2016/SVG/main" r:embed="rId8"/>
+                <asvg:svgBlip xmlns:asvg="http://schemas.microsoft.com/office/drawing/2016/SVG/main" r:embed="rId6"/>
               </a:ext>
             </a:extLst>
           </a:blip>
@@ -13012,7 +12954,7 @@
           <p:nvPr/>
         </p:nvPicPr>
         <p:blipFill rotWithShape="1">
-          <a:blip r:embed="rId9">
+          <a:blip r:embed="rId7">
             <a:extLst>
               <a:ext uri="{28A0092B-C50C-407E-A947-70E740481C1C}">
                 <a14:useLocalDpi xmlns:a14="http://schemas.microsoft.com/office/drawing/2010/main" val="0"/>
@@ -13032,6 +12974,329 @@
           </a:prstGeom>
         </p:spPr>
       </p:pic>
+      <p:sp>
+        <p:nvSpPr>
+          <p:cNvPr id="4" name="Rectangle 3">
+            <a:extLst>
+              <a:ext uri="{FF2B5EF4-FFF2-40B4-BE49-F238E27FC236}">
+                <a16:creationId xmlns:a16="http://schemas.microsoft.com/office/drawing/2014/main" id="{CC857CED-1499-9B4D-B329-67628D505548}"/>
+              </a:ext>
+            </a:extLst>
+          </p:cNvPr>
+          <p:cNvSpPr/>
+          <p:nvPr/>
+        </p:nvSpPr>
+        <p:spPr>
+          <a:xfrm>
+            <a:off x="3390315" y="802136"/>
+            <a:ext cx="1617783" cy="959984"/>
+          </a:xfrm>
+          <a:prstGeom prst="rect">
+            <a:avLst/>
+          </a:prstGeom>
+        </p:spPr>
+        <p:style>
+          <a:lnRef idx="2">
+            <a:schemeClr val="accent1">
+              <a:shade val="50000"/>
+            </a:schemeClr>
+          </a:lnRef>
+          <a:fillRef idx="1">
+            <a:schemeClr val="accent1"/>
+          </a:fillRef>
+          <a:effectRef idx="0">
+            <a:schemeClr val="accent1"/>
+          </a:effectRef>
+          <a:fontRef idx="minor">
+            <a:schemeClr val="lt1"/>
+          </a:fontRef>
+        </p:style>
+        <p:txBody>
+          <a:bodyPr rtlCol="0" anchor="ctr"/>
+          <a:lstStyle/>
+          <a:p>
+            <a:pPr algn="ctr"/>
+            <a:endParaRPr lang="en-US"/>
+          </a:p>
+        </p:txBody>
+      </p:sp>
+      <p:sp>
+        <p:nvSpPr>
+          <p:cNvPr id="5" name="TextBox 4">
+            <a:extLst>
+              <a:ext uri="{FF2B5EF4-FFF2-40B4-BE49-F238E27FC236}">
+                <a16:creationId xmlns:a16="http://schemas.microsoft.com/office/drawing/2014/main" id="{B8202BBB-FC79-3D4B-8205-9CA7C0560179}"/>
+              </a:ext>
+            </a:extLst>
+          </p:cNvPr>
+          <p:cNvSpPr txBox="1"/>
+          <p:nvPr/>
+        </p:nvSpPr>
+        <p:spPr>
+          <a:xfrm>
+            <a:off x="3693074" y="1051295"/>
+            <a:ext cx="961292" cy="461665"/>
+          </a:xfrm>
+          <a:prstGeom prst="rect">
+            <a:avLst/>
+          </a:prstGeom>
+          <a:noFill/>
+        </p:spPr>
+        <p:txBody>
+          <a:bodyPr wrap="square" rtlCol="0">
+            <a:spAutoFit/>
+          </a:bodyPr>
+          <a:lstStyle/>
+          <a:p>
+            <a:r>
+              <a:rPr lang="en-US" sz="2400" b="1" dirty="0"/>
+              <a:t>MOM</a:t>
+            </a:r>
+          </a:p>
+        </p:txBody>
+      </p:sp>
+      <p:cxnSp>
+        <p:nvCxnSpPr>
+          <p:cNvPr id="8" name="Straight Arrow Connector 7">
+            <a:extLst>
+              <a:ext uri="{FF2B5EF4-FFF2-40B4-BE49-F238E27FC236}">
+                <a16:creationId xmlns:a16="http://schemas.microsoft.com/office/drawing/2014/main" id="{8B34F216-D811-BC48-979D-9309EDD231DF}"/>
+              </a:ext>
+            </a:extLst>
+          </p:cNvPr>
+          <p:cNvCxnSpPr/>
+          <p:nvPr/>
+        </p:nvCxnSpPr>
+        <p:spPr>
+          <a:xfrm flipH="1">
+            <a:off x="2739032" y="1721290"/>
+            <a:ext cx="675250" cy="767175"/>
+          </a:xfrm>
+          <a:prstGeom prst="straightConnector1">
+            <a:avLst/>
+          </a:prstGeom>
+          <a:ln w="38100">
+            <a:tailEnd type="triangle"/>
+          </a:ln>
+        </p:spPr>
+        <p:style>
+          <a:lnRef idx="1">
+            <a:schemeClr val="accent1"/>
+          </a:lnRef>
+          <a:fillRef idx="0">
+            <a:schemeClr val="accent1"/>
+          </a:fillRef>
+          <a:effectRef idx="0">
+            <a:schemeClr val="accent1"/>
+          </a:effectRef>
+          <a:fontRef idx="minor">
+            <a:schemeClr val="tx1"/>
+          </a:fontRef>
+        </p:style>
+      </p:cxnSp>
+      <p:cxnSp>
+        <p:nvCxnSpPr>
+          <p:cNvPr id="17" name="Straight Arrow Connector 16">
+            <a:extLst>
+              <a:ext uri="{FF2B5EF4-FFF2-40B4-BE49-F238E27FC236}">
+                <a16:creationId xmlns:a16="http://schemas.microsoft.com/office/drawing/2014/main" id="{6E4FDF71-2A0C-E945-857B-12EDAC6EBDC3}"/>
+              </a:ext>
+            </a:extLst>
+          </p:cNvPr>
+          <p:cNvCxnSpPr>
+            <a:cxnSpLocks/>
+          </p:cNvCxnSpPr>
+          <p:nvPr/>
+        </p:nvCxnSpPr>
+        <p:spPr>
+          <a:xfrm>
+            <a:off x="5008098" y="1749648"/>
+            <a:ext cx="675250" cy="772996"/>
+          </a:xfrm>
+          <a:prstGeom prst="straightConnector1">
+            <a:avLst/>
+          </a:prstGeom>
+          <a:ln w="38100">
+            <a:tailEnd type="triangle"/>
+          </a:ln>
+        </p:spPr>
+        <p:style>
+          <a:lnRef idx="1">
+            <a:schemeClr val="accent1"/>
+          </a:lnRef>
+          <a:fillRef idx="0">
+            <a:schemeClr val="accent1"/>
+          </a:fillRef>
+          <a:effectRef idx="0">
+            <a:schemeClr val="accent1"/>
+          </a:effectRef>
+          <a:fontRef idx="minor">
+            <a:schemeClr val="tx1"/>
+          </a:fontRef>
+        </p:style>
+      </p:cxnSp>
+      <p:sp>
+        <p:nvSpPr>
+          <p:cNvPr id="20" name="Rectangle 19">
+            <a:extLst>
+              <a:ext uri="{FF2B5EF4-FFF2-40B4-BE49-F238E27FC236}">
+                <a16:creationId xmlns:a16="http://schemas.microsoft.com/office/drawing/2014/main" id="{471C399B-1F96-E447-9F32-C62D18ACBB36}"/>
+              </a:ext>
+            </a:extLst>
+          </p:cNvPr>
+          <p:cNvSpPr/>
+          <p:nvPr/>
+        </p:nvSpPr>
+        <p:spPr>
+          <a:xfrm>
+            <a:off x="4923694" y="2488465"/>
+            <a:ext cx="1617783" cy="959984"/>
+          </a:xfrm>
+          <a:prstGeom prst="rect">
+            <a:avLst/>
+          </a:prstGeom>
+        </p:spPr>
+        <p:style>
+          <a:lnRef idx="2">
+            <a:schemeClr val="accent1">
+              <a:shade val="50000"/>
+            </a:schemeClr>
+          </a:lnRef>
+          <a:fillRef idx="1">
+            <a:schemeClr val="accent1"/>
+          </a:fillRef>
+          <a:effectRef idx="0">
+            <a:schemeClr val="accent1"/>
+          </a:effectRef>
+          <a:fontRef idx="minor">
+            <a:schemeClr val="lt1"/>
+          </a:fontRef>
+        </p:style>
+        <p:txBody>
+          <a:bodyPr rtlCol="0" anchor="ctr"/>
+          <a:lstStyle/>
+          <a:p>
+            <a:pPr algn="ctr"/>
+            <a:endParaRPr lang="en-US"/>
+          </a:p>
+        </p:txBody>
+      </p:sp>
+      <p:sp>
+        <p:nvSpPr>
+          <p:cNvPr id="21" name="Rectangle 20">
+            <a:extLst>
+              <a:ext uri="{FF2B5EF4-FFF2-40B4-BE49-F238E27FC236}">
+                <a16:creationId xmlns:a16="http://schemas.microsoft.com/office/drawing/2014/main" id="{44A395DD-A863-4645-929C-E8A791790AB0}"/>
+              </a:ext>
+            </a:extLst>
+          </p:cNvPr>
+          <p:cNvSpPr/>
+          <p:nvPr/>
+        </p:nvSpPr>
+        <p:spPr>
+          <a:xfrm>
+            <a:off x="1981012" y="2473171"/>
+            <a:ext cx="1617783" cy="959984"/>
+          </a:xfrm>
+          <a:prstGeom prst="rect">
+            <a:avLst/>
+          </a:prstGeom>
+        </p:spPr>
+        <p:style>
+          <a:lnRef idx="2">
+            <a:schemeClr val="accent1">
+              <a:shade val="50000"/>
+            </a:schemeClr>
+          </a:lnRef>
+          <a:fillRef idx="1">
+            <a:schemeClr val="accent1"/>
+          </a:fillRef>
+          <a:effectRef idx="0">
+            <a:schemeClr val="accent1"/>
+          </a:effectRef>
+          <a:fontRef idx="minor">
+            <a:schemeClr val="lt1"/>
+          </a:fontRef>
+        </p:style>
+        <p:txBody>
+          <a:bodyPr rtlCol="0" anchor="ctr"/>
+          <a:lstStyle/>
+          <a:p>
+            <a:pPr algn="ctr"/>
+            <a:endParaRPr lang="en-US"/>
+          </a:p>
+        </p:txBody>
+      </p:sp>
+      <p:sp>
+        <p:nvSpPr>
+          <p:cNvPr id="25" name="TextBox 24">
+            <a:extLst>
+              <a:ext uri="{FF2B5EF4-FFF2-40B4-BE49-F238E27FC236}">
+                <a16:creationId xmlns:a16="http://schemas.microsoft.com/office/drawing/2014/main" id="{60A37A2B-B74E-AF42-BCED-A4D2BA4B712C}"/>
+              </a:ext>
+            </a:extLst>
+          </p:cNvPr>
+          <p:cNvSpPr txBox="1"/>
+          <p:nvPr/>
+        </p:nvSpPr>
+        <p:spPr>
+          <a:xfrm>
+            <a:off x="2079977" y="2760462"/>
+            <a:ext cx="1419851" cy="461665"/>
+          </a:xfrm>
+          <a:prstGeom prst="rect">
+            <a:avLst/>
+          </a:prstGeom>
+          <a:noFill/>
+        </p:spPr>
+        <p:txBody>
+          <a:bodyPr wrap="square" rtlCol="0">
+            <a:spAutoFit/>
+          </a:bodyPr>
+          <a:lstStyle/>
+          <a:p>
+            <a:r>
+              <a:rPr lang="en-US" sz="2400" b="1" dirty="0"/>
+              <a:t>Pub/Sub</a:t>
+            </a:r>
+          </a:p>
+        </p:txBody>
+      </p:sp>
+      <p:sp>
+        <p:nvSpPr>
+          <p:cNvPr id="26" name="TextBox 25">
+            <a:extLst>
+              <a:ext uri="{FF2B5EF4-FFF2-40B4-BE49-F238E27FC236}">
+                <a16:creationId xmlns:a16="http://schemas.microsoft.com/office/drawing/2014/main" id="{5D0DC8A3-307F-474C-A510-B9AB60A73F05}"/>
+              </a:ext>
+            </a:extLst>
+          </p:cNvPr>
+          <p:cNvSpPr txBox="1"/>
+          <p:nvPr/>
+        </p:nvSpPr>
+        <p:spPr>
+          <a:xfrm>
+            <a:off x="5008098" y="2806628"/>
+            <a:ext cx="1861104" cy="369332"/>
+          </a:xfrm>
+          <a:prstGeom prst="rect">
+            <a:avLst/>
+          </a:prstGeom>
+          <a:noFill/>
+        </p:spPr>
+        <p:txBody>
+          <a:bodyPr wrap="square" rtlCol="0">
+            <a:spAutoFit/>
+          </a:bodyPr>
+          <a:lstStyle/>
+          <a:p>
+            <a:r>
+              <a:rPr lang="en-US" b="1" dirty="0"/>
+              <a:t>Point-to-point</a:t>
+            </a:r>
+          </a:p>
+        </p:txBody>
+      </p:sp>
     </p:spTree>
     <p:extLst>
       <p:ext uri="{BB962C8B-B14F-4D97-AF65-F5344CB8AC3E}">

--- a/article-presentation/Artigo.pptx
+++ b/article-presentation/Artigo.pptx
@@ -5294,7 +5294,7 @@
         <p:spPr/>
         <p:txBody>
           <a:bodyPr>
-            <a:normAutofit fontScale="85000" lnSpcReduction="10000"/>
+            <a:normAutofit fontScale="47500" lnSpcReduction="20000"/>
           </a:bodyPr>
           <a:lstStyle/>
           <a:p>
@@ -5910,6 +5910,645 @@
               <a:rPr lang="pt-BR" dirty="0"/>
               <a:t> Software Technology. 2018</a:t>
             </a:r>
+          </a:p>
+          <a:p>
+            <a:pPr marL="266700" indent="-266700">
+              <a:buFont typeface="Courier New" panose="02070309020205020404" pitchFamily="49" charset="0"/>
+              <a:buChar char="o"/>
+            </a:pPr>
+            <a:r>
+              <a:rPr lang="pt-BR" dirty="0"/>
+              <a:t>D’</a:t>
+            </a:r>
+            <a:r>
+              <a:rPr lang="pt-BR" dirty="0" err="1"/>
+              <a:t>Amore,J</a:t>
+            </a:r>
+            <a:r>
+              <a:rPr lang="pt-BR" dirty="0"/>
+              <a:t>.(2015).</a:t>
+            </a:r>
+            <a:r>
+              <a:rPr lang="pt-BR" dirty="0" err="1"/>
+              <a:t>Scaling</a:t>
+            </a:r>
+            <a:r>
+              <a:rPr lang="pt-BR" dirty="0"/>
+              <a:t> </a:t>
+            </a:r>
+            <a:r>
+              <a:rPr lang="pt-BR" dirty="0" err="1"/>
+              <a:t>microservices</a:t>
+            </a:r>
+            <a:r>
+              <a:rPr lang="pt-BR" dirty="0"/>
+              <a:t> </a:t>
+            </a:r>
+            <a:r>
+              <a:rPr lang="pt-BR" dirty="0" err="1"/>
+              <a:t>with</a:t>
+            </a:r>
+            <a:r>
+              <a:rPr lang="pt-BR" dirty="0"/>
+              <a:t> </a:t>
+            </a:r>
+            <a:r>
+              <a:rPr lang="pt-BR" dirty="0" err="1"/>
+              <a:t>an</a:t>
+            </a:r>
+            <a:r>
+              <a:rPr lang="pt-BR" dirty="0"/>
+              <a:t> </a:t>
+            </a:r>
+            <a:r>
+              <a:rPr lang="pt-BR" dirty="0" err="1"/>
+              <a:t>event</a:t>
+            </a:r>
+            <a:r>
+              <a:rPr lang="pt-BR" dirty="0"/>
+              <a:t> </a:t>
+            </a:r>
+            <a:r>
+              <a:rPr lang="pt-BR" dirty="0" err="1"/>
+              <a:t>stream</a:t>
+            </a:r>
+            <a:r>
+              <a:rPr lang="pt-BR" dirty="0"/>
+              <a:t>. </a:t>
+            </a:r>
+            <a:r>
+              <a:rPr lang="pt-BR" dirty="0" err="1"/>
+              <a:t>https</a:t>
+            </a:r>
+            <a:r>
+              <a:rPr lang="pt-BR" dirty="0"/>
+              <a:t>://</a:t>
+            </a:r>
+            <a:r>
+              <a:rPr lang="pt-BR" dirty="0" err="1"/>
+              <a:t>www.thoughtworks.com</a:t>
+            </a:r>
+            <a:r>
+              <a:rPr lang="pt-BR" dirty="0"/>
+              <a:t>/de/insights/blog/</a:t>
+            </a:r>
+            <a:r>
+              <a:rPr lang="pt-BR" dirty="0" err="1"/>
+              <a:t>scaling-microservices-event-stream</a:t>
+            </a:r>
+            <a:r>
+              <a:rPr lang="pt-BR" dirty="0"/>
+              <a:t>. Acessado em: 27/10/2018</a:t>
+            </a:r>
+          </a:p>
+          <a:p>
+            <a:pPr marL="266700" indent="-266700">
+              <a:buFont typeface="Courier New" panose="02070309020205020404" pitchFamily="49" charset="0"/>
+              <a:buChar char="o"/>
+            </a:pPr>
+            <a:r>
+              <a:rPr lang="pt-BR" dirty="0" err="1"/>
+              <a:t>Curry</a:t>
+            </a:r>
+            <a:r>
+              <a:rPr lang="pt-BR" dirty="0"/>
+              <a:t>, E. (2004). </a:t>
+            </a:r>
+            <a:r>
+              <a:rPr lang="pt-BR" dirty="0" err="1"/>
+              <a:t>Message-Oriented</a:t>
+            </a:r>
+            <a:r>
+              <a:rPr lang="pt-BR" dirty="0"/>
+              <a:t> Middleware. In </a:t>
+            </a:r>
+            <a:r>
+              <a:rPr lang="pt-BR" dirty="0" err="1"/>
+              <a:t>Mahmoud</a:t>
+            </a:r>
+            <a:r>
+              <a:rPr lang="pt-BR" dirty="0"/>
+              <a:t>, Q. H., </a:t>
+            </a:r>
+            <a:r>
+              <a:rPr lang="pt-BR" dirty="0" err="1"/>
+              <a:t>editor,Middlewarefor</a:t>
+            </a:r>
+            <a:r>
+              <a:rPr lang="pt-BR" dirty="0"/>
+              <a:t> Communications,  </a:t>
+            </a:r>
+            <a:r>
+              <a:rPr lang="pt-BR" dirty="0" err="1"/>
+              <a:t>chapter</a:t>
+            </a:r>
+            <a:r>
+              <a:rPr lang="pt-BR" dirty="0"/>
+              <a:t> 1,  </a:t>
+            </a:r>
+            <a:r>
+              <a:rPr lang="pt-BR" dirty="0" err="1"/>
+              <a:t>pages</a:t>
+            </a:r>
+            <a:r>
+              <a:rPr lang="pt-BR" dirty="0"/>
+              <a:t> 1–28. John </a:t>
+            </a:r>
+            <a:r>
+              <a:rPr lang="pt-BR" dirty="0" err="1"/>
+              <a:t>Wiley</a:t>
+            </a:r>
+            <a:r>
+              <a:rPr lang="pt-BR" dirty="0"/>
+              <a:t> </a:t>
+            </a:r>
+            <a:r>
+              <a:rPr lang="pt-BR" dirty="0" err="1"/>
+              <a:t>and</a:t>
+            </a:r>
+            <a:r>
+              <a:rPr lang="pt-BR" dirty="0"/>
+              <a:t> Sons,  </a:t>
+            </a:r>
+            <a:r>
+              <a:rPr lang="pt-BR" dirty="0" err="1"/>
+              <a:t>Chichester</a:t>
+            </a:r>
+            <a:r>
+              <a:rPr lang="pt-BR" dirty="0"/>
+              <a:t>,  </a:t>
+            </a:r>
+            <a:r>
+              <a:rPr lang="pt-BR" dirty="0" err="1"/>
+              <a:t>En-gland</a:t>
+            </a:r>
+            <a:r>
+              <a:rPr lang="pt-BR" dirty="0"/>
+              <a:t>.</a:t>
+            </a:r>
+          </a:p>
+          <a:p>
+            <a:pPr marL="266700" indent="-266700">
+              <a:buFont typeface="Courier New" panose="02070309020205020404" pitchFamily="49" charset="0"/>
+              <a:buChar char="o"/>
+            </a:pPr>
+            <a:r>
+              <a:rPr lang="pt-BR" dirty="0"/>
+              <a:t>Richter, D., Konrad, M., </a:t>
+            </a:r>
+            <a:r>
+              <a:rPr lang="pt-BR" dirty="0" err="1"/>
+              <a:t>Utecht</a:t>
+            </a:r>
+            <a:r>
+              <a:rPr lang="pt-BR" dirty="0"/>
+              <a:t>, </a:t>
+            </a:r>
+            <a:r>
+              <a:rPr lang="pt-BR" dirty="0" err="1"/>
+              <a:t>K</a:t>
+            </a:r>
+            <a:r>
+              <a:rPr lang="pt-BR" dirty="0"/>
+              <a:t>., </a:t>
+            </a:r>
+            <a:r>
+              <a:rPr lang="pt-BR" dirty="0" err="1"/>
+              <a:t>and</a:t>
+            </a:r>
+            <a:r>
+              <a:rPr lang="pt-BR" dirty="0"/>
+              <a:t> </a:t>
+            </a:r>
+            <a:r>
+              <a:rPr lang="pt-BR" dirty="0" err="1"/>
+              <a:t>Polze</a:t>
+            </a:r>
+            <a:r>
+              <a:rPr lang="pt-BR" dirty="0"/>
+              <a:t>, A. (2017).  </a:t>
+            </a:r>
+            <a:r>
+              <a:rPr lang="pt-BR" dirty="0" err="1"/>
+              <a:t>Highly-available</a:t>
+            </a:r>
+            <a:r>
+              <a:rPr lang="pt-BR" dirty="0"/>
+              <a:t> </a:t>
+            </a:r>
+            <a:r>
+              <a:rPr lang="pt-BR" dirty="0" err="1"/>
+              <a:t>applicationson</a:t>
+            </a:r>
+            <a:r>
+              <a:rPr lang="pt-BR" dirty="0"/>
+              <a:t>  </a:t>
+            </a:r>
+            <a:r>
+              <a:rPr lang="pt-BR" dirty="0" err="1"/>
+              <a:t>unreliable</a:t>
+            </a:r>
+            <a:r>
+              <a:rPr lang="pt-BR" dirty="0"/>
+              <a:t>  </a:t>
+            </a:r>
+            <a:r>
+              <a:rPr lang="pt-BR" dirty="0" err="1"/>
+              <a:t>infrastructure</a:t>
+            </a:r>
+            <a:r>
+              <a:rPr lang="pt-BR" dirty="0"/>
+              <a:t>:  </a:t>
+            </a:r>
+            <a:r>
+              <a:rPr lang="pt-BR" dirty="0" err="1"/>
+              <a:t>Microservice</a:t>
+            </a:r>
+            <a:r>
+              <a:rPr lang="pt-BR" dirty="0"/>
+              <a:t>  </a:t>
+            </a:r>
+            <a:r>
+              <a:rPr lang="pt-BR" dirty="0" err="1"/>
+              <a:t>architectures</a:t>
+            </a:r>
+            <a:r>
+              <a:rPr lang="pt-BR" dirty="0"/>
+              <a:t>  in  </a:t>
+            </a:r>
+            <a:r>
+              <a:rPr lang="pt-BR" dirty="0" err="1"/>
+              <a:t>practice</a:t>
+            </a:r>
+            <a:r>
+              <a:rPr lang="pt-BR" dirty="0"/>
+              <a:t>.   In2017  </a:t>
+            </a:r>
+            <a:r>
+              <a:rPr lang="pt-BR" dirty="0" err="1"/>
+              <a:t>IEEEInternational</a:t>
+            </a:r>
+            <a:r>
+              <a:rPr lang="pt-BR" dirty="0"/>
+              <a:t>  </a:t>
+            </a:r>
+            <a:r>
+              <a:rPr lang="pt-BR" dirty="0" err="1"/>
+              <a:t>Conference</a:t>
+            </a:r>
+            <a:r>
+              <a:rPr lang="pt-BR" dirty="0"/>
+              <a:t>  </a:t>
+            </a:r>
+            <a:r>
+              <a:rPr lang="pt-BR" dirty="0" err="1"/>
+              <a:t>on</a:t>
+            </a:r>
+            <a:r>
+              <a:rPr lang="pt-BR" dirty="0"/>
+              <a:t>  Software  </a:t>
+            </a:r>
+            <a:r>
+              <a:rPr lang="pt-BR" dirty="0" err="1"/>
+              <a:t>Quality</a:t>
+            </a:r>
+            <a:r>
+              <a:rPr lang="pt-BR" dirty="0"/>
+              <a:t>,  </a:t>
+            </a:r>
+            <a:r>
+              <a:rPr lang="pt-BR" dirty="0" err="1"/>
+              <a:t>Reliability</a:t>
+            </a:r>
+            <a:r>
+              <a:rPr lang="pt-BR" dirty="0"/>
+              <a:t>  </a:t>
+            </a:r>
+            <a:r>
+              <a:rPr lang="pt-BR" dirty="0" err="1"/>
+              <a:t>and</a:t>
+            </a:r>
+            <a:r>
+              <a:rPr lang="pt-BR" dirty="0"/>
+              <a:t>  Security  Companion(QRS-C), </a:t>
+            </a:r>
+            <a:r>
+              <a:rPr lang="pt-BR" dirty="0" err="1"/>
+              <a:t>pages</a:t>
+            </a:r>
+            <a:r>
+              <a:rPr lang="pt-BR" dirty="0"/>
+              <a:t> 130–137</a:t>
+            </a:r>
+          </a:p>
+          <a:p>
+            <a:pPr marL="266700" indent="-266700">
+              <a:buFont typeface="Courier New" panose="02070309020205020404" pitchFamily="49" charset="0"/>
+              <a:buChar char="o"/>
+            </a:pPr>
+            <a:r>
+              <a:rPr lang="pt-BR" dirty="0" err="1"/>
+              <a:t>Fetzer</a:t>
+            </a:r>
+            <a:r>
+              <a:rPr lang="pt-BR" dirty="0"/>
+              <a:t>, C., Mazzeo, G., Oliver, J., Romano, L., </a:t>
+            </a:r>
+            <a:r>
+              <a:rPr lang="pt-BR" dirty="0" err="1"/>
+              <a:t>and</a:t>
+            </a:r>
+            <a:r>
+              <a:rPr lang="pt-BR" dirty="0"/>
+              <a:t> </a:t>
+            </a:r>
+            <a:r>
+              <a:rPr lang="pt-BR" dirty="0" err="1"/>
+              <a:t>Verburg</a:t>
+            </a:r>
+            <a:r>
+              <a:rPr lang="pt-BR" dirty="0"/>
+              <a:t>, M. (2017). </a:t>
+            </a:r>
+            <a:r>
+              <a:rPr lang="pt-BR" dirty="0" err="1"/>
+              <a:t>Integrating</a:t>
+            </a:r>
+            <a:r>
+              <a:rPr lang="pt-BR" dirty="0"/>
+              <a:t> </a:t>
+            </a:r>
+            <a:r>
+              <a:rPr lang="pt-BR" dirty="0" err="1"/>
+              <a:t>reac-tive</a:t>
+            </a:r>
+            <a:r>
+              <a:rPr lang="pt-BR" dirty="0"/>
+              <a:t> </a:t>
+            </a:r>
+            <a:r>
+              <a:rPr lang="pt-BR" dirty="0" err="1"/>
+              <a:t>cloud</a:t>
+            </a:r>
+            <a:r>
+              <a:rPr lang="pt-BR" dirty="0"/>
+              <a:t> </a:t>
+            </a:r>
+            <a:r>
+              <a:rPr lang="pt-BR" dirty="0" err="1"/>
+              <a:t>applications</a:t>
+            </a:r>
+            <a:r>
+              <a:rPr lang="pt-BR" dirty="0"/>
+              <a:t> in </a:t>
+            </a:r>
+            <a:r>
+              <a:rPr lang="pt-BR" dirty="0" err="1"/>
+              <a:t>sereca</a:t>
+            </a:r>
+            <a:r>
+              <a:rPr lang="pt-BR" dirty="0"/>
+              <a:t>.  </a:t>
+            </a:r>
+            <a:r>
+              <a:rPr lang="pt-BR" dirty="0" err="1"/>
+              <a:t>InProceedings</a:t>
+            </a:r>
+            <a:r>
+              <a:rPr lang="pt-BR" dirty="0"/>
+              <a:t> </a:t>
+            </a:r>
+            <a:r>
+              <a:rPr lang="pt-BR" dirty="0" err="1"/>
+              <a:t>of</a:t>
+            </a:r>
+            <a:r>
+              <a:rPr lang="pt-BR" dirty="0"/>
+              <a:t> </a:t>
+            </a:r>
+            <a:r>
+              <a:rPr lang="pt-BR" dirty="0" err="1"/>
+              <a:t>the</a:t>
+            </a:r>
+            <a:r>
+              <a:rPr lang="pt-BR" dirty="0"/>
+              <a:t> 12th </a:t>
+            </a:r>
+            <a:r>
+              <a:rPr lang="pt-BR" dirty="0" err="1"/>
+              <a:t>International</a:t>
+            </a:r>
+            <a:r>
+              <a:rPr lang="pt-BR" dirty="0"/>
+              <a:t> </a:t>
+            </a:r>
+            <a:r>
+              <a:rPr lang="pt-BR" dirty="0" err="1"/>
+              <a:t>Conference</a:t>
+            </a:r>
+            <a:r>
+              <a:rPr lang="pt-BR" dirty="0"/>
+              <a:t> </a:t>
+            </a:r>
+            <a:r>
+              <a:rPr lang="pt-BR" dirty="0" err="1"/>
+              <a:t>on</a:t>
+            </a:r>
+            <a:r>
+              <a:rPr lang="pt-BR" dirty="0"/>
+              <a:t> </a:t>
+            </a:r>
+            <a:r>
+              <a:rPr lang="pt-BR" dirty="0" err="1"/>
+              <a:t>Availability</a:t>
+            </a:r>
+            <a:r>
+              <a:rPr lang="pt-BR" dirty="0"/>
+              <a:t>, </a:t>
+            </a:r>
+            <a:r>
+              <a:rPr lang="pt-BR" dirty="0" err="1"/>
+              <a:t>Reliability</a:t>
+            </a:r>
+            <a:r>
+              <a:rPr lang="pt-BR" dirty="0"/>
+              <a:t> </a:t>
+            </a:r>
+            <a:r>
+              <a:rPr lang="pt-BR" dirty="0" err="1"/>
+              <a:t>and</a:t>
+            </a:r>
+            <a:r>
+              <a:rPr lang="pt-BR" dirty="0"/>
+              <a:t> Security, ARES ’17, </a:t>
+            </a:r>
+            <a:r>
+              <a:rPr lang="pt-BR" dirty="0" err="1"/>
+              <a:t>pages</a:t>
+            </a:r>
+            <a:r>
+              <a:rPr lang="pt-BR" dirty="0"/>
+              <a:t> 39:1–39:8, New York, NY,USA. ACM.</a:t>
+            </a:r>
+          </a:p>
+          <a:p>
+            <a:pPr marL="266700" indent="-266700">
+              <a:buFont typeface="Courier New" panose="02070309020205020404" pitchFamily="49" charset="0"/>
+              <a:buChar char="o"/>
+            </a:pPr>
+            <a:r>
+              <a:rPr lang="pt-BR" dirty="0"/>
+              <a:t>Brilhante, J., Costa, R., </a:t>
+            </a:r>
+            <a:r>
+              <a:rPr lang="pt-BR" dirty="0" err="1"/>
+              <a:t>and</a:t>
+            </a:r>
+            <a:r>
+              <a:rPr lang="pt-BR" dirty="0"/>
+              <a:t> </a:t>
+            </a:r>
+            <a:r>
+              <a:rPr lang="pt-BR" dirty="0" err="1"/>
+              <a:t>Maritan</a:t>
+            </a:r>
+            <a:r>
+              <a:rPr lang="pt-BR" dirty="0"/>
+              <a:t>, T. (2017). </a:t>
+            </a:r>
+            <a:r>
+              <a:rPr lang="pt-BR" dirty="0" err="1"/>
+              <a:t>Asynchronous</a:t>
+            </a:r>
+            <a:r>
+              <a:rPr lang="pt-BR" dirty="0"/>
+              <a:t> </a:t>
+            </a:r>
+            <a:r>
+              <a:rPr lang="pt-BR" dirty="0" err="1"/>
+              <a:t>queue</a:t>
+            </a:r>
+            <a:r>
+              <a:rPr lang="pt-BR" dirty="0"/>
+              <a:t> </a:t>
+            </a:r>
+            <a:r>
+              <a:rPr lang="pt-BR" dirty="0" err="1"/>
+              <a:t>based</a:t>
+            </a:r>
+            <a:r>
+              <a:rPr lang="pt-BR" dirty="0"/>
+              <a:t> approach </a:t>
+            </a:r>
+            <a:r>
+              <a:rPr lang="pt-BR" dirty="0" err="1"/>
+              <a:t>forbuilding</a:t>
+            </a:r>
+            <a:r>
+              <a:rPr lang="pt-BR" dirty="0"/>
+              <a:t> </a:t>
+            </a:r>
+            <a:r>
+              <a:rPr lang="pt-BR" dirty="0" err="1"/>
+              <a:t>reactive</a:t>
+            </a:r>
+            <a:r>
+              <a:rPr lang="pt-BR" dirty="0"/>
+              <a:t> </a:t>
+            </a:r>
+            <a:r>
+              <a:rPr lang="pt-BR" dirty="0" err="1"/>
+              <a:t>microservices</a:t>
+            </a:r>
+            <a:r>
+              <a:rPr lang="pt-BR" dirty="0"/>
+              <a:t>.  </a:t>
+            </a:r>
+            <a:r>
+              <a:rPr lang="pt-BR" dirty="0" err="1"/>
+              <a:t>InProceedings</a:t>
+            </a:r>
+            <a:r>
+              <a:rPr lang="pt-BR" dirty="0"/>
+              <a:t> </a:t>
+            </a:r>
+            <a:r>
+              <a:rPr lang="pt-BR" dirty="0" err="1"/>
+              <a:t>of</a:t>
+            </a:r>
+            <a:r>
+              <a:rPr lang="pt-BR" dirty="0"/>
+              <a:t> </a:t>
+            </a:r>
+            <a:r>
+              <a:rPr lang="pt-BR" dirty="0" err="1"/>
+              <a:t>the</a:t>
+            </a:r>
+            <a:r>
+              <a:rPr lang="pt-BR" dirty="0"/>
+              <a:t> 23rd </a:t>
+            </a:r>
+            <a:r>
+              <a:rPr lang="pt-BR" dirty="0" err="1"/>
+              <a:t>Brazillian</a:t>
+            </a:r>
+            <a:r>
+              <a:rPr lang="pt-BR" dirty="0"/>
+              <a:t> </a:t>
+            </a:r>
+            <a:r>
+              <a:rPr lang="pt-BR" dirty="0" err="1"/>
+              <a:t>Symposium</a:t>
+            </a:r>
+            <a:r>
+              <a:rPr lang="pt-BR" dirty="0"/>
+              <a:t> </a:t>
+            </a:r>
+            <a:r>
+              <a:rPr lang="pt-BR" dirty="0" err="1"/>
+              <a:t>onMultimedia</a:t>
+            </a:r>
+            <a:r>
+              <a:rPr lang="pt-BR" dirty="0"/>
+              <a:t> </a:t>
+            </a:r>
+            <a:r>
+              <a:rPr lang="pt-BR" dirty="0" err="1"/>
+              <a:t>and</a:t>
+            </a:r>
+            <a:r>
+              <a:rPr lang="pt-BR" dirty="0"/>
+              <a:t> </a:t>
+            </a:r>
+            <a:r>
+              <a:rPr lang="pt-BR" dirty="0" err="1"/>
+              <a:t>the</a:t>
+            </a:r>
+            <a:r>
+              <a:rPr lang="pt-BR" dirty="0"/>
+              <a:t> Web, </a:t>
+            </a:r>
+            <a:r>
+              <a:rPr lang="pt-BR" dirty="0" err="1"/>
+              <a:t>WebMedia</a:t>
+            </a:r>
+            <a:r>
+              <a:rPr lang="pt-BR" dirty="0"/>
+              <a:t> ’17, </a:t>
+            </a:r>
+            <a:r>
+              <a:rPr lang="pt-BR" dirty="0" err="1"/>
+              <a:t>pages</a:t>
+            </a:r>
+            <a:r>
+              <a:rPr lang="pt-BR" dirty="0"/>
+              <a:t> 373–380, New York, NY, USA. </a:t>
+            </a:r>
+            <a:r>
+              <a:rPr lang="pt-BR"/>
+              <a:t>ACM.</a:t>
+            </a:r>
+            <a:endParaRPr lang="pt-BR" dirty="0"/>
           </a:p>
           <a:p>
             <a:pPr marL="266700" indent="-266700">

--- a/article-presentation/Artigo.pptx
+++ b/article-presentation/Artigo.pptx
@@ -349,7 +349,7 @@
           <a:p>
             <a:fld id="{96DFF08F-DC6B-4601-B491-B0F83F6DD2DA}" type="datetimeFigureOut">
               <a:rPr lang="en-US" dirty="0"/>
-              <a:t>11/12/18</a:t>
+              <a:t>11/25/18</a:t>
             </a:fld>
             <a:endParaRPr lang="en-US" dirty="0"/>
           </a:p>
@@ -552,7 +552,7 @@
           <a:p>
             <a:fld id="{96DFF08F-DC6B-4601-B491-B0F83F6DD2DA}" type="datetimeFigureOut">
               <a:rPr lang="en-US" dirty="0"/>
-              <a:t>11/12/18</a:t>
+              <a:t>11/25/18</a:t>
             </a:fld>
             <a:endParaRPr lang="en-US" dirty="0"/>
           </a:p>
@@ -803,7 +803,7 @@
           <a:p>
             <a:fld id="{96DFF08F-DC6B-4601-B491-B0F83F6DD2DA}" type="datetimeFigureOut">
               <a:rPr lang="en-US" dirty="0"/>
-              <a:t>11/12/18</a:t>
+              <a:t>11/25/18</a:t>
             </a:fld>
             <a:endParaRPr lang="en-US" dirty="0"/>
           </a:p>
@@ -968,7 +968,7 @@
           <a:p>
             <a:fld id="{D62CEF3B-A037-46D0-B02C-1428F07E9383}" type="datetimeFigureOut">
               <a:rPr lang="en-US" dirty="0"/>
-              <a:t>11/12/18</a:t>
+              <a:t>11/25/18</a:t>
             </a:fld>
             <a:endParaRPr lang="en-US" dirty="0"/>
           </a:p>
@@ -1357,7 +1357,7 @@
           <a:p>
             <a:fld id="{96DFF08F-DC6B-4601-B491-B0F83F6DD2DA}" type="datetimeFigureOut">
               <a:rPr lang="en-US" dirty="0"/>
-              <a:t>11/12/18</a:t>
+              <a:t>11/25/18</a:t>
             </a:fld>
             <a:endParaRPr lang="en-US" dirty="0"/>
           </a:p>
@@ -1627,7 +1627,7 @@
           <a:p>
             <a:fld id="{96DFF08F-DC6B-4601-B491-B0F83F6DD2DA}" type="datetimeFigureOut">
               <a:rPr lang="en-US" dirty="0"/>
-              <a:t>11/12/18</a:t>
+              <a:t>11/25/18</a:t>
             </a:fld>
             <a:endParaRPr lang="en-US" dirty="0"/>
           </a:p>
@@ -2001,7 +2001,7 @@
           <a:p>
             <a:fld id="{96DFF08F-DC6B-4601-B491-B0F83F6DD2DA}" type="datetimeFigureOut">
               <a:rPr lang="en-US" dirty="0"/>
-              <a:t>11/12/18</a:t>
+              <a:t>11/25/18</a:t>
             </a:fld>
             <a:endParaRPr lang="en-US" dirty="0"/>
           </a:p>
@@ -2114,7 +2114,7 @@
           <a:p>
             <a:fld id="{96DFF08F-DC6B-4601-B491-B0F83F6DD2DA}" type="datetimeFigureOut">
               <a:rPr lang="en-US" dirty="0"/>
-              <a:t>11/12/18</a:t>
+              <a:t>11/25/18</a:t>
             </a:fld>
             <a:endParaRPr lang="en-US" dirty="0"/>
           </a:p>
@@ -2281,7 +2281,7 @@
             <a:fld id="{96DFF08F-DC6B-4601-B491-B0F83F6DD2DA}" type="datetimeFigureOut">
               <a:rPr lang="en-US" dirty="0"/>
               <a:pPr/>
-              <a:t>11/12/18</a:t>
+              <a:t>11/25/18</a:t>
             </a:fld>
             <a:endParaRPr lang="en-US" dirty="0"/>
           </a:p>
@@ -2632,7 +2632,7 @@
             <a:fld id="{96DFF08F-DC6B-4601-B491-B0F83F6DD2DA}" type="datetimeFigureOut">
               <a:rPr lang="en-US" dirty="0"/>
               <a:pPr/>
-              <a:t>11/12/18</a:t>
+              <a:t>11/25/18</a:t>
             </a:fld>
             <a:endParaRPr lang="en-US" dirty="0"/>
           </a:p>
@@ -3005,7 +3005,7 @@
           <a:p>
             <a:fld id="{96DFF08F-DC6B-4601-B491-B0F83F6DD2DA}" type="datetimeFigureOut">
               <a:rPr lang="en-US" dirty="0"/>
-              <a:t>11/12/18</a:t>
+              <a:t>11/25/18</a:t>
             </a:fld>
             <a:endParaRPr lang="en-US" dirty="0"/>
           </a:p>
@@ -3288,7 +3288,7 @@
             <a:fld id="{96DFF08F-DC6B-4601-B491-B0F83F6DD2DA}" type="datetimeFigureOut">
               <a:rPr lang="en-US" dirty="0"/>
               <a:pPr/>
-              <a:t>11/12/18</a:t>
+              <a:t>11/25/18</a:t>
             </a:fld>
             <a:endParaRPr lang="en-US" dirty="0"/>
           </a:p>
@@ -4644,7 +4644,7 @@
             </a:r>
             <a:r>
               <a:rPr lang="en-US" sz="2400" dirty="0"/>
-              <a:t> multivocal</a:t>
+              <a:t> multivocal [7]</a:t>
             </a:r>
           </a:p>
           <a:p>
@@ -5180,7 +5180,7 @@
             </a:pPr>
             <a:r>
               <a:rPr lang="en-US" sz="2400" dirty="0"/>
-              <a:t>Smart endpoints and dumb pipes</a:t>
+              <a:t>Smart endpoints and dumb pipes [2]</a:t>
             </a:r>
           </a:p>
           <a:p>
@@ -5194,7 +5194,7 @@
             </a:r>
             <a:r>
               <a:rPr lang="en-US" sz="2400" dirty="0"/>
-              <a:t> event collaboration</a:t>
+              <a:t> event collaboration [3]</a:t>
             </a:r>
           </a:p>
           <a:p>
@@ -5204,7 +5204,7 @@
             </a:pPr>
             <a:r>
               <a:rPr lang="en-US" sz="2400" dirty="0"/>
-              <a:t>MOM</a:t>
+              <a:t>MOM [9]</a:t>
             </a:r>
           </a:p>
           <a:p>
@@ -5214,7 +5214,7 @@
             </a:pPr>
             <a:r>
               <a:rPr lang="en-US" sz="2400" dirty="0"/>
-              <a:t>Pub/Sub e Point-to-point</a:t>
+              <a:t>Pub/Sub e Point-to-point [9]</a:t>
             </a:r>
           </a:p>
           <a:p>
@@ -5224,7 +5224,7 @@
             </a:pPr>
             <a:r>
               <a:rPr lang="en-US" sz="2400" dirty="0"/>
-              <a:t>Reactive systems</a:t>
+              <a:t>Reactive systems [6, 11, 12]</a:t>
             </a:r>
           </a:p>
         </p:txBody>
@@ -5303,6 +5303,10 @@
               <a:buChar char="o"/>
             </a:pPr>
             <a:r>
+              <a:rPr lang="pt-BR" dirty="0"/>
+              <a:t>[1] </a:t>
+            </a:r>
+            <a:r>
               <a:rPr lang="pt-BR" dirty="0" err="1"/>
               <a:t>Dragoni</a:t>
             </a:r>
@@ -5454,7 +5458,7 @@
             </a:pPr>
             <a:r>
               <a:rPr lang="pt-BR" dirty="0"/>
-              <a:t>Fowler,  M. </a:t>
+              <a:t>[2] Fowler,  M. </a:t>
             </a:r>
             <a:r>
               <a:rPr lang="pt-BR" dirty="0" err="1"/>
@@ -5504,7 +5508,7 @@
             </a:pPr>
             <a:r>
               <a:rPr lang="pt-BR" dirty="0"/>
-              <a:t>Newman, S. (2015).</a:t>
+              <a:t>[3] Newman, S. (2015).</a:t>
             </a:r>
             <a:r>
               <a:rPr lang="pt-BR" dirty="0" err="1"/>
@@ -5561,6 +5565,10 @@
               <a:buChar char="o"/>
             </a:pPr>
             <a:r>
+              <a:rPr lang="pt-BR" dirty="0"/>
+              <a:t>[4] </a:t>
+            </a:r>
+            <a:r>
               <a:rPr lang="pt-BR" dirty="0" err="1"/>
               <a:t>Alshuqayran</a:t>
             </a:r>
@@ -5680,7 +5688,7 @@
             </a:pPr>
             <a:r>
               <a:rPr lang="pt-BR" dirty="0"/>
-              <a:t>Gil, A. C. (2017).Como Elaborar Projetos de Pesquisa. Atlas, 6 </a:t>
+              <a:t>[5] Gil, A. C. (2017).Como Elaborar Projetos de Pesquisa. Atlas, 6 </a:t>
             </a:r>
             <a:r>
               <a:rPr lang="pt-BR" dirty="0" err="1"/>
@@ -5697,6 +5705,10 @@
               <a:buChar char="o"/>
             </a:pPr>
             <a:r>
+              <a:rPr lang="pt-BR" dirty="0"/>
+              <a:t>[6] </a:t>
+            </a:r>
+            <a:r>
               <a:rPr lang="pt-BR" dirty="0" err="1"/>
               <a:t>Bonér</a:t>
             </a:r>
@@ -5791,6 +5803,10 @@
               <a:buChar char="o"/>
             </a:pPr>
             <a:r>
+              <a:rPr lang="pt-BR" dirty="0"/>
+              <a:t>[7] </a:t>
+            </a:r>
+            <a:r>
               <a:rPr lang="pt-BR" dirty="0" err="1"/>
               <a:t>Vahid</a:t>
             </a:r>
@@ -5918,7 +5934,7 @@
             </a:pPr>
             <a:r>
               <a:rPr lang="pt-BR" dirty="0"/>
-              <a:t>D’</a:t>
+              <a:t>[8] D’</a:t>
             </a:r>
             <a:r>
               <a:rPr lang="pt-BR" dirty="0" err="1"/>
@@ -6007,6 +6023,10 @@
               <a:buChar char="o"/>
             </a:pPr>
             <a:r>
+              <a:rPr lang="pt-BR" dirty="0"/>
+              <a:t>[9] </a:t>
+            </a:r>
+            <a:r>
               <a:rPr lang="pt-BR" dirty="0" err="1"/>
               <a:t>Curry</a:t>
             </a:r>
@@ -6094,7 +6114,7 @@
             </a:pPr>
             <a:r>
               <a:rPr lang="pt-BR" dirty="0"/>
-              <a:t>Richter, D., Konrad, M., </a:t>
+              <a:t>[10] Richter, D., Konrad, M., </a:t>
             </a:r>
             <a:r>
               <a:rPr lang="pt-BR" dirty="0" err="1"/>
@@ -6247,6 +6267,10 @@
               <a:buChar char="o"/>
             </a:pPr>
             <a:r>
+              <a:rPr lang="pt-BR" dirty="0"/>
+              <a:t>[11] </a:t>
+            </a:r>
+            <a:r>
               <a:rPr lang="pt-BR" dirty="0" err="1"/>
               <a:t>Fetzer</a:t>
             </a:r>
@@ -6398,7 +6422,7 @@
             </a:pPr>
             <a:r>
               <a:rPr lang="pt-BR" dirty="0"/>
-              <a:t>Brilhante, J., Costa, R., </a:t>
+              <a:t>[12] Brilhante, J., Costa, R., </a:t>
             </a:r>
             <a:r>
               <a:rPr lang="pt-BR" dirty="0" err="1"/>
@@ -6542,13 +6566,8 @@
             </a:r>
             <a:r>
               <a:rPr lang="pt-BR" dirty="0"/>
-              <a:t> 373–380, New York, NY, USA. </a:t>
-            </a:r>
-            <a:r>
-              <a:rPr lang="pt-BR"/>
-              <a:t>ACM.</a:t>
-            </a:r>
-            <a:endParaRPr lang="pt-BR" dirty="0"/>
+              <a:t> 373–380, New York, NY, USA. ACM.</a:t>
+            </a:r>
           </a:p>
           <a:p>
             <a:pPr marL="266700" indent="-266700">
@@ -7277,22 +7296,25 @@
               </a:rPr>
               <a:t>microserviços</a:t>
             </a:r>
-            <a:endParaRPr kumimoji="0" lang="pt-BR" sz="3000" b="1" i="0" u="none" strike="noStrike" kern="1200" cap="none" spc="0" normalizeH="0" baseline="0" noProof="0" dirty="0">
-              <a:ln>
-                <a:noFill/>
-              </a:ln>
-              <a:solidFill>
-                <a:schemeClr val="accent2">
-                  <a:lumMod val="75000"/>
-                </a:schemeClr>
-              </a:solidFill>
-              <a:effectLst/>
-              <a:uLnTx/>
-              <a:uFillTx/>
-              <a:latin typeface="Itau Display"/>
-              <a:ea typeface="+mn-ea"/>
-              <a:cs typeface="+mn-cs"/>
-            </a:endParaRPr>
+            <a:r>
+              <a:rPr kumimoji="0" lang="pt-BR" sz="3000" b="1" i="0" u="none" strike="noStrike" kern="1200" cap="none" spc="0" normalizeH="0" baseline="0" noProof="0" dirty="0">
+                <a:ln>
+                  <a:noFill/>
+                </a:ln>
+                <a:solidFill>
+                  <a:schemeClr val="accent2">
+                    <a:lumMod val="75000"/>
+                  </a:schemeClr>
+                </a:solidFill>
+                <a:effectLst/>
+                <a:uLnTx/>
+                <a:uFillTx/>
+                <a:latin typeface="Itau Display"/>
+                <a:ea typeface="+mn-ea"/>
+                <a:cs typeface="+mn-cs"/>
+              </a:rPr>
+              <a:t> [3]</a:t>
+            </a:r>
           </a:p>
         </p:txBody>
       </p:sp>
@@ -8953,7 +8975,7 @@
         <p:spPr>
           <a:xfrm>
             <a:off x="468794" y="1226249"/>
-            <a:ext cx="4827983" cy="1908215"/>
+            <a:ext cx="4827983" cy="2154436"/>
           </a:xfrm>
           <a:prstGeom prst="rect">
             <a:avLst/>
@@ -9266,26 +9288,21 @@
               <a:t>protocolo</a:t>
             </a:r>
             <a:r>
-              <a:rPr lang="en-US" sz="1600" kern="0">
+              <a:rPr lang="en-US" sz="1600" kern="0" dirty="0">
                 <a:solidFill>
                   <a:srgbClr val="606163"/>
                 </a:solidFill>
               </a:rPr>
-              <a:t> HTTP</a:t>
-            </a:r>
-            <a:r>
-              <a:rPr lang="pt-BR" sz="1600" kern="0">
+              <a:t> HTTP [2]</a:t>
+            </a:r>
+            <a:r>
+              <a:rPr lang="pt-BR" sz="1600" kern="0" dirty="0">
                 <a:solidFill>
                   <a:srgbClr val="606163"/>
                 </a:solidFill>
               </a:rPr>
               <a:t> </a:t>
             </a:r>
-            <a:endParaRPr lang="pt-BR" sz="1600" kern="0" dirty="0">
-              <a:solidFill>
-                <a:srgbClr val="606163"/>
-              </a:solidFill>
-            </a:endParaRPr>
           </a:p>
           <a:p>
             <a:pPr lvl="0" defTabSz="914400">
@@ -9557,6 +9574,14 @@
                 </a:solidFill>
               </a:rPr>
               <a:t>microserviços</a:t>
+            </a:r>
+            <a:r>
+              <a:rPr lang="en-US" sz="1600" kern="0" dirty="0">
+                <a:solidFill>
+                  <a:srgbClr val="606163"/>
+                </a:solidFill>
+              </a:rPr>
+              <a:t> [1, 2]</a:t>
             </a:r>
             <a:endParaRPr kumimoji="0" lang="pt-BR" sz="1600" b="0" i="0" u="none" strike="noStrike" kern="0" cap="none" spc="0" normalizeH="0" baseline="0" noProof="0" dirty="0">
               <a:ln>
@@ -9915,7 +9940,7 @@
                 <a:ea typeface="+mn-ea"/>
                 <a:cs typeface="+mn-cs"/>
               </a:rPr>
-              <a:t>Benefícios e desafios</a:t>
+              <a:t>Benefícios e desafios [4]</a:t>
             </a:r>
           </a:p>
         </p:txBody>
@@ -10755,7 +10780,7 @@
                 </a:solidFill>
                 <a:latin typeface="Itau Display"/>
               </a:rPr>
-              <a:t>Estilos arquiteturais: Orquestração e Coreografia</a:t>
+              <a:t>Estilos arquiteturais: Orquestração e Coreografia [3]</a:t>
             </a:r>
             <a:endParaRPr kumimoji="0" lang="pt-BR" sz="3000" b="1" i="0" u="none" strike="noStrike" kern="1200" cap="none" spc="0" normalizeH="0" baseline="0" noProof="0" dirty="0">
               <a:ln>
@@ -11654,7 +11679,7 @@
           <a:p>
             <a:r>
               <a:rPr lang="en-US" sz="2400" dirty="0"/>
-              <a:t>Segundo Gil (2017), </a:t>
+              <a:t>Segundo Gil (2017)[5], </a:t>
             </a:r>
             <a:r>
               <a:rPr lang="en-US" sz="2400" dirty="0" err="1"/>
@@ -13335,7 +13360,7 @@
                 <a:ea typeface="+mn-ea"/>
                 <a:cs typeface="+mn-cs"/>
               </a:rPr>
-              <a:t>MOM</a:t>
+              <a:t>MOM [9]</a:t>
             </a:r>
           </a:p>
         </p:txBody>
